--- a/Multiple Source Optimal Power Flow.pptx
+++ b/Multiple Source Optimal Power Flow.pptx
@@ -5,11 +5,16 @@
     <p:sldMasterId id="2147483660" r:id="rId1"/>
   </p:sldMasterIdLst>
   <p:notesMasterIdLst>
-    <p:notesMasterId r:id="rId4"/>
+    <p:notesMasterId r:id="rId9"/>
   </p:notesMasterIdLst>
   <p:sldIdLst>
     <p:sldId id="257" r:id="rId2"/>
     <p:sldId id="727" r:id="rId3"/>
+    <p:sldId id="729" r:id="rId4"/>
+    <p:sldId id="730" r:id="rId5"/>
+    <p:sldId id="731" r:id="rId6"/>
+    <p:sldId id="728" r:id="rId7"/>
+    <p:sldId id="732" r:id="rId8"/>
   </p:sldIdLst>
   <p:sldSz cx="12192000" cy="6858000"/>
   <p:notesSz cx="6858000" cy="9144000"/>
@@ -108,7 +113,276 @@
       </a:defRPr>
     </a:lvl9pPr>
   </p:defaultTextStyle>
+  <p:extLst>
+    <p:ext uri="{EFAFB233-063F-42B5-8137-9DF3F51BA10A}">
+      <p15:sldGuideLst xmlns:p15="http://schemas.microsoft.com/office/powerpoint/2012/main"/>
+    </p:ext>
+  </p:extLst>
 </p:presentation>
+</file>
+
+<file path=ppt/revisionInfo.xml><?xml version="1.0" encoding="utf-8"?>
+<p1510:revInfo xmlns:a="http://schemas.openxmlformats.org/drawingml/2006/main" xmlns:r="http://schemas.openxmlformats.org/officeDocument/2006/relationships" xmlns:p1510="http://schemas.microsoft.com/office/powerpoint/2015/10/main">
+  <p1510:revLst>
+    <p1510:client id="{5493239A-B3FF-490D-8298-84B3632BF4D8}" v="850" dt="2025-09-09T20:00:26.106"/>
+  </p1510:revLst>
+</p1510:revInfo>
+</file>
+
+<file path=ppt/changesInfos/changesInfo1.xml><?xml version="1.0" encoding="utf-8"?>
+<pc:chgInfo xmlns:a="http://schemas.openxmlformats.org/drawingml/2006/main" xmlns:r="http://schemas.openxmlformats.org/officeDocument/2006/relationships" xmlns:ac="http://schemas.microsoft.com/office/drawing/2013/main/command" xmlns:pc="http://schemas.microsoft.com/office/powerpoint/2013/main/command">
+  <pc:docChgLst>
+    <pc:chgData name="Jha, Aryan Ritwajeet" userId="2aad577e-539b-449b-83a6-8d411f484b4d" providerId="ADAL" clId="{A4B48081-0CD9-4DBB-BF52-ACFCDC9845A1}"/>
+    <pc:docChg chg="undo custSel addSld modSld">
+      <pc:chgData name="Jha, Aryan Ritwajeet" userId="2aad577e-539b-449b-83a6-8d411f484b4d" providerId="ADAL" clId="{A4B48081-0CD9-4DBB-BF52-ACFCDC9845A1}" dt="2025-09-09T20:02:52.856" v="1703" actId="1076"/>
+      <pc:docMkLst>
+        <pc:docMk/>
+      </pc:docMkLst>
+      <pc:sldChg chg="addSp modSp mod">
+        <pc:chgData name="Jha, Aryan Ritwajeet" userId="2aad577e-539b-449b-83a6-8d411f484b4d" providerId="ADAL" clId="{A4B48081-0CD9-4DBB-BF52-ACFCDC9845A1}" dt="2025-09-09T19:49:21.421" v="604" actId="113"/>
+        <pc:sldMkLst>
+          <pc:docMk/>
+          <pc:sldMk cId="2596443258" sldId="727"/>
+        </pc:sldMkLst>
+        <pc:spChg chg="mod">
+          <ac:chgData name="Jha, Aryan Ritwajeet" userId="2aad577e-539b-449b-83a6-8d411f484b4d" providerId="ADAL" clId="{A4B48081-0CD9-4DBB-BF52-ACFCDC9845A1}" dt="2025-09-09T19:48:09.903" v="567" actId="20577"/>
+          <ac:spMkLst>
+            <pc:docMk/>
+            <pc:sldMk cId="2596443258" sldId="727"/>
+            <ac:spMk id="2" creationId="{916B4D6F-75DE-B028-512D-A55440CCBC4D}"/>
+          </ac:spMkLst>
+        </pc:spChg>
+        <pc:spChg chg="mod">
+          <ac:chgData name="Jha, Aryan Ritwajeet" userId="2aad577e-539b-449b-83a6-8d411f484b4d" providerId="ADAL" clId="{A4B48081-0CD9-4DBB-BF52-ACFCDC9845A1}" dt="2025-09-09T19:49:21.421" v="604" actId="113"/>
+          <ac:spMkLst>
+            <pc:docMk/>
+            <pc:sldMk cId="2596443258" sldId="727"/>
+            <ac:spMk id="3" creationId="{84571C1E-5ED2-FEDF-6FA7-6D8DF7153C3C}"/>
+          </ac:spMkLst>
+        </pc:spChg>
+        <pc:picChg chg="add mod">
+          <ac:chgData name="Jha, Aryan Ritwajeet" userId="2aad577e-539b-449b-83a6-8d411f484b4d" providerId="ADAL" clId="{A4B48081-0CD9-4DBB-BF52-ACFCDC9845A1}" dt="2025-09-09T19:44:33.660" v="184" actId="1076"/>
+          <ac:picMkLst>
+            <pc:docMk/>
+            <pc:sldMk cId="2596443258" sldId="727"/>
+            <ac:picMk id="5" creationId="{FA936387-36D7-A2C9-7FBA-3BBBC9442DCA}"/>
+          </ac:picMkLst>
+        </pc:picChg>
+      </pc:sldChg>
+      <pc:sldChg chg="addSp delSp modSp new mod">
+        <pc:chgData name="Jha, Aryan Ritwajeet" userId="2aad577e-539b-449b-83a6-8d411f484b4d" providerId="ADAL" clId="{A4B48081-0CD9-4DBB-BF52-ACFCDC9845A1}" dt="2025-09-09T20:00:42.857" v="1644" actId="478"/>
+        <pc:sldMkLst>
+          <pc:docMk/>
+          <pc:sldMk cId="810812140" sldId="728"/>
+        </pc:sldMkLst>
+        <pc:spChg chg="del">
+          <ac:chgData name="Jha, Aryan Ritwajeet" userId="2aad577e-539b-449b-83a6-8d411f484b4d" providerId="ADAL" clId="{A4B48081-0CD9-4DBB-BF52-ACFCDC9845A1}" dt="2025-09-09T20:00:42.857" v="1644" actId="478"/>
+          <ac:spMkLst>
+            <pc:docMk/>
+            <pc:sldMk cId="810812140" sldId="728"/>
+            <ac:spMk id="2" creationId="{B152ACA4-A0E9-20FD-DB82-1A527E442A2F}"/>
+          </ac:spMkLst>
+        </pc:spChg>
+        <pc:spChg chg="mod">
+          <ac:chgData name="Jha, Aryan Ritwajeet" userId="2aad577e-539b-449b-83a6-8d411f484b4d" providerId="ADAL" clId="{A4B48081-0CD9-4DBB-BF52-ACFCDC9845A1}" dt="2025-09-09T20:00:26.106" v="1643" actId="20577"/>
+          <ac:spMkLst>
+            <pc:docMk/>
+            <pc:sldMk cId="810812140" sldId="728"/>
+            <ac:spMk id="3" creationId="{4AA1D2D6-087C-4B6E-9235-456A18C04949}"/>
+          </ac:spMkLst>
+        </pc:spChg>
+        <pc:picChg chg="add mod">
+          <ac:chgData name="Jha, Aryan Ritwajeet" userId="2aad577e-539b-449b-83a6-8d411f484b4d" providerId="ADAL" clId="{A4B48081-0CD9-4DBB-BF52-ACFCDC9845A1}" dt="2025-09-09T19:59:45.853" v="1431" actId="1076"/>
+          <ac:picMkLst>
+            <pc:docMk/>
+            <pc:sldMk cId="810812140" sldId="728"/>
+            <ac:picMk id="5" creationId="{916A971A-0ACA-D981-3579-6FB64C1E5219}"/>
+          </ac:picMkLst>
+        </pc:picChg>
+      </pc:sldChg>
+      <pc:sldChg chg="modSp add mod">
+        <pc:chgData name="Jha, Aryan Ritwajeet" userId="2aad577e-539b-449b-83a6-8d411f484b4d" providerId="ADAL" clId="{A4B48081-0CD9-4DBB-BF52-ACFCDC9845A1}" dt="2025-09-09T19:53:26.891" v="979" actId="20577"/>
+        <pc:sldMkLst>
+          <pc:docMk/>
+          <pc:sldMk cId="113209233" sldId="729"/>
+        </pc:sldMkLst>
+        <pc:spChg chg="mod">
+          <ac:chgData name="Jha, Aryan Ritwajeet" userId="2aad577e-539b-449b-83a6-8d411f484b4d" providerId="ADAL" clId="{A4B48081-0CD9-4DBB-BF52-ACFCDC9845A1}" dt="2025-09-09T19:50:48.811" v="630" actId="20577"/>
+          <ac:spMkLst>
+            <pc:docMk/>
+            <pc:sldMk cId="113209233" sldId="729"/>
+            <ac:spMk id="2" creationId="{A3C07BCF-3CBA-B242-38E4-976A46A5FA9F}"/>
+          </ac:spMkLst>
+        </pc:spChg>
+        <pc:spChg chg="mod">
+          <ac:chgData name="Jha, Aryan Ritwajeet" userId="2aad577e-539b-449b-83a6-8d411f484b4d" providerId="ADAL" clId="{A4B48081-0CD9-4DBB-BF52-ACFCDC9845A1}" dt="2025-09-09T19:53:26.891" v="979" actId="20577"/>
+          <ac:spMkLst>
+            <pc:docMk/>
+            <pc:sldMk cId="113209233" sldId="729"/>
+            <ac:spMk id="3" creationId="{AB6245A8-5BFB-85C1-A85F-2866BBC2B06E}"/>
+          </ac:spMkLst>
+        </pc:spChg>
+        <pc:picChg chg="mod">
+          <ac:chgData name="Jha, Aryan Ritwajeet" userId="2aad577e-539b-449b-83a6-8d411f484b4d" providerId="ADAL" clId="{A4B48081-0CD9-4DBB-BF52-ACFCDC9845A1}" dt="2025-09-09T19:51:24.141" v="634" actId="1076"/>
+          <ac:picMkLst>
+            <pc:docMk/>
+            <pc:sldMk cId="113209233" sldId="729"/>
+            <ac:picMk id="5" creationId="{92835EBD-05BA-B50D-7423-696D7BF9EAB1}"/>
+          </ac:picMkLst>
+        </pc:picChg>
+      </pc:sldChg>
+      <pc:sldChg chg="addSp delSp modSp add mod">
+        <pc:chgData name="Jha, Aryan Ritwajeet" userId="2aad577e-539b-449b-83a6-8d411f484b4d" providerId="ADAL" clId="{A4B48081-0CD9-4DBB-BF52-ACFCDC9845A1}" dt="2025-09-09T19:56:52.107" v="1240" actId="404"/>
+        <pc:sldMkLst>
+          <pc:docMk/>
+          <pc:sldMk cId="2833867635" sldId="730"/>
+        </pc:sldMkLst>
+        <pc:spChg chg="add del mod">
+          <ac:chgData name="Jha, Aryan Ritwajeet" userId="2aad577e-539b-449b-83a6-8d411f484b4d" providerId="ADAL" clId="{A4B48081-0CD9-4DBB-BF52-ACFCDC9845A1}" dt="2025-09-09T19:56:52.107" v="1240" actId="404"/>
+          <ac:spMkLst>
+            <pc:docMk/>
+            <pc:sldMk cId="2833867635" sldId="730"/>
+            <ac:spMk id="3" creationId="{0B83101F-D8F0-4284-9535-15792E34B273}"/>
+          </ac:spMkLst>
+        </pc:spChg>
+        <pc:spChg chg="add del mod">
+          <ac:chgData name="Jha, Aryan Ritwajeet" userId="2aad577e-539b-449b-83a6-8d411f484b4d" providerId="ADAL" clId="{A4B48081-0CD9-4DBB-BF52-ACFCDC9845A1}" dt="2025-09-09T19:55:47.032" v="1042" actId="478"/>
+          <ac:spMkLst>
+            <pc:docMk/>
+            <pc:sldMk cId="2833867635" sldId="730"/>
+            <ac:spMk id="6" creationId="{3139E0AB-F27D-CB1B-1278-E020E8D50D75}"/>
+          </ac:spMkLst>
+        </pc:spChg>
+        <pc:picChg chg="mod">
+          <ac:chgData name="Jha, Aryan Ritwajeet" userId="2aad577e-539b-449b-83a6-8d411f484b4d" providerId="ADAL" clId="{A4B48081-0CD9-4DBB-BF52-ACFCDC9845A1}" dt="2025-09-09T19:53:58.557" v="986" actId="1076"/>
+          <ac:picMkLst>
+            <pc:docMk/>
+            <pc:sldMk cId="2833867635" sldId="730"/>
+            <ac:picMk id="5" creationId="{44F498BD-BDE4-3B2C-CB89-D2FA7FF5FEA4}"/>
+          </ac:picMkLst>
+        </pc:picChg>
+        <pc:picChg chg="add mod">
+          <ac:chgData name="Jha, Aryan Ritwajeet" userId="2aad577e-539b-449b-83a6-8d411f484b4d" providerId="ADAL" clId="{A4B48081-0CD9-4DBB-BF52-ACFCDC9845A1}" dt="2025-09-09T19:54:05.494" v="989" actId="1076"/>
+          <ac:picMkLst>
+            <pc:docMk/>
+            <pc:sldMk cId="2833867635" sldId="730"/>
+            <ac:picMk id="1026" creationId="{009B40C7-C22D-9754-9D83-905F08E4082C}"/>
+          </ac:picMkLst>
+        </pc:picChg>
+      </pc:sldChg>
+      <pc:sldChg chg="addSp delSp modSp add mod">
+        <pc:chgData name="Jha, Aryan Ritwajeet" userId="2aad577e-539b-449b-83a6-8d411f484b4d" providerId="ADAL" clId="{A4B48081-0CD9-4DBB-BF52-ACFCDC9845A1}" dt="2025-09-09T19:59:16.837" v="1427" actId="1076"/>
+        <pc:sldMkLst>
+          <pc:docMk/>
+          <pc:sldMk cId="682246142" sldId="731"/>
+        </pc:sldMkLst>
+        <pc:spChg chg="mod">
+          <ac:chgData name="Jha, Aryan Ritwajeet" userId="2aad577e-539b-449b-83a6-8d411f484b4d" providerId="ADAL" clId="{A4B48081-0CD9-4DBB-BF52-ACFCDC9845A1}" dt="2025-09-09T19:59:08.376" v="1423" actId="20577"/>
+          <ac:spMkLst>
+            <pc:docMk/>
+            <pc:sldMk cId="682246142" sldId="731"/>
+            <ac:spMk id="3" creationId="{7152D378-A881-E87E-63F9-C4B1629E72B3}"/>
+          </ac:spMkLst>
+        </pc:spChg>
+        <pc:picChg chg="del">
+          <ac:chgData name="Jha, Aryan Ritwajeet" userId="2aad577e-539b-449b-83a6-8d411f484b4d" providerId="ADAL" clId="{A4B48081-0CD9-4DBB-BF52-ACFCDC9845A1}" dt="2025-09-09T19:57:25.223" v="1243" actId="478"/>
+          <ac:picMkLst>
+            <pc:docMk/>
+            <pc:sldMk cId="682246142" sldId="731"/>
+            <ac:picMk id="5" creationId="{96EF1617-C22D-A8A2-92B8-89AE46F06995}"/>
+          </ac:picMkLst>
+        </pc:picChg>
+        <pc:picChg chg="mod">
+          <ac:chgData name="Jha, Aryan Ritwajeet" userId="2aad577e-539b-449b-83a6-8d411f484b4d" providerId="ADAL" clId="{A4B48081-0CD9-4DBB-BF52-ACFCDC9845A1}" dt="2025-09-09T19:58:35.382" v="1265" actId="1076"/>
+          <ac:picMkLst>
+            <pc:docMk/>
+            <pc:sldMk cId="682246142" sldId="731"/>
+            <ac:picMk id="1026" creationId="{F9A117BF-9D71-DCA4-F68A-77E05879B7F8}"/>
+          </ac:picMkLst>
+        </pc:picChg>
+        <pc:picChg chg="add mod">
+          <ac:chgData name="Jha, Aryan Ritwajeet" userId="2aad577e-539b-449b-83a6-8d411f484b4d" providerId="ADAL" clId="{A4B48081-0CD9-4DBB-BF52-ACFCDC9845A1}" dt="2025-09-09T19:59:16.837" v="1427" actId="1076"/>
+          <ac:picMkLst>
+            <pc:docMk/>
+            <pc:sldMk cId="682246142" sldId="731"/>
+            <ac:picMk id="2050" creationId="{21D21DAC-62E3-446F-BD0F-09A30CCAB989}"/>
+          </ac:picMkLst>
+        </pc:picChg>
+        <pc:picChg chg="add mod">
+          <ac:chgData name="Jha, Aryan Ritwajeet" userId="2aad577e-539b-449b-83a6-8d411f484b4d" providerId="ADAL" clId="{A4B48081-0CD9-4DBB-BF52-ACFCDC9845A1}" dt="2025-09-09T19:58:34.245" v="1264" actId="1076"/>
+          <ac:picMkLst>
+            <pc:docMk/>
+            <pc:sldMk cId="682246142" sldId="731"/>
+            <ac:picMk id="2052" creationId="{788700A9-9BC1-35F5-9371-C0C8657C646A}"/>
+          </ac:picMkLst>
+        </pc:picChg>
+        <pc:picChg chg="add mod">
+          <ac:chgData name="Jha, Aryan Ritwajeet" userId="2aad577e-539b-449b-83a6-8d411f484b4d" providerId="ADAL" clId="{A4B48081-0CD9-4DBB-BF52-ACFCDC9845A1}" dt="2025-09-09T19:59:15.292" v="1426" actId="1076"/>
+          <ac:picMkLst>
+            <pc:docMk/>
+            <pc:sldMk cId="682246142" sldId="731"/>
+            <ac:picMk id="2054" creationId="{ABCC08E8-A3FB-790E-BAD4-9D5E1391C2B4}"/>
+          </ac:picMkLst>
+        </pc:picChg>
+        <pc:picChg chg="add mod">
+          <ac:chgData name="Jha, Aryan Ritwajeet" userId="2aad577e-539b-449b-83a6-8d411f484b4d" providerId="ADAL" clId="{A4B48081-0CD9-4DBB-BF52-ACFCDC9845A1}" dt="2025-09-09T19:58:39.997" v="1268" actId="1076"/>
+          <ac:picMkLst>
+            <pc:docMk/>
+            <pc:sldMk cId="682246142" sldId="731"/>
+            <ac:picMk id="2056" creationId="{29A2A977-CC2F-B4D3-DD20-9B06742531A0}"/>
+          </ac:picMkLst>
+        </pc:picChg>
+      </pc:sldChg>
+      <pc:sldChg chg="addSp delSp modSp new mod">
+        <pc:chgData name="Jha, Aryan Ritwajeet" userId="2aad577e-539b-449b-83a6-8d411f484b4d" providerId="ADAL" clId="{A4B48081-0CD9-4DBB-BF52-ACFCDC9845A1}" dt="2025-09-09T20:02:52.856" v="1703" actId="1076"/>
+        <pc:sldMkLst>
+          <pc:docMk/>
+          <pc:sldMk cId="4127699989" sldId="732"/>
+        </pc:sldMkLst>
+        <pc:spChg chg="mod">
+          <ac:chgData name="Jha, Aryan Ritwajeet" userId="2aad577e-539b-449b-83a6-8d411f484b4d" providerId="ADAL" clId="{A4B48081-0CD9-4DBB-BF52-ACFCDC9845A1}" dt="2025-09-09T20:01:29.296" v="1687" actId="20577"/>
+          <ac:spMkLst>
+            <pc:docMk/>
+            <pc:sldMk cId="4127699989" sldId="732"/>
+            <ac:spMk id="2" creationId="{489D6AB3-040D-FF04-4730-E965E458A748}"/>
+          </ac:spMkLst>
+        </pc:spChg>
+        <pc:spChg chg="del">
+          <ac:chgData name="Jha, Aryan Ritwajeet" userId="2aad577e-539b-449b-83a6-8d411f484b4d" providerId="ADAL" clId="{A4B48081-0CD9-4DBB-BF52-ACFCDC9845A1}" dt="2025-09-09T20:02:36.096" v="1694" actId="22"/>
+          <ac:spMkLst>
+            <pc:docMk/>
+            <pc:sldMk cId="4127699989" sldId="732"/>
+            <ac:spMk id="3" creationId="{94C59B14-47F5-152E-2586-68B24538D518}"/>
+          </ac:spMkLst>
+        </pc:spChg>
+        <pc:picChg chg="add mod">
+          <ac:chgData name="Jha, Aryan Ritwajeet" userId="2aad577e-539b-449b-83a6-8d411f484b4d" providerId="ADAL" clId="{A4B48081-0CD9-4DBB-BF52-ACFCDC9845A1}" dt="2025-09-09T20:01:43.099" v="1689" actId="1076"/>
+          <ac:picMkLst>
+            <pc:docMk/>
+            <pc:sldMk cId="4127699989" sldId="732"/>
+            <ac:picMk id="5" creationId="{DE97A322-9415-9983-516C-8F5187CDC5F3}"/>
+          </ac:picMkLst>
+        </pc:picChg>
+        <pc:picChg chg="add mod">
+          <ac:chgData name="Jha, Aryan Ritwajeet" userId="2aad577e-539b-449b-83a6-8d411f484b4d" providerId="ADAL" clId="{A4B48081-0CD9-4DBB-BF52-ACFCDC9845A1}" dt="2025-09-09T20:02:50.137" v="1702" actId="1076"/>
+          <ac:picMkLst>
+            <pc:docMk/>
+            <pc:sldMk cId="4127699989" sldId="732"/>
+            <ac:picMk id="7" creationId="{165D8A9F-69A6-6F48-03E5-ABD3E9F75C6B}"/>
+          </ac:picMkLst>
+        </pc:picChg>
+        <pc:picChg chg="add mod ord">
+          <ac:chgData name="Jha, Aryan Ritwajeet" userId="2aad577e-539b-449b-83a6-8d411f484b4d" providerId="ADAL" clId="{A4B48081-0CD9-4DBB-BF52-ACFCDC9845A1}" dt="2025-09-09T20:02:52.856" v="1703" actId="1076"/>
+          <ac:picMkLst>
+            <pc:docMk/>
+            <pc:sldMk cId="4127699989" sldId="732"/>
+            <ac:picMk id="9" creationId="{A7386A4B-142D-9E60-6FDE-9E6EB97833C6}"/>
+          </ac:picMkLst>
+        </pc:picChg>
+      </pc:sldChg>
+    </pc:docChg>
+  </pc:docChgLst>
+</pc:chgInfo>
 </file>
 
 <file path=ppt/notesMasters/notesMaster1.xml><?xml version="1.0" encoding="utf-8"?>
@@ -1939,12 +2213,590 @@
           <a:chExt cx="0" cy="0"/>
         </a:xfrm>
       </p:grpSpPr>
+      <mc:AlternateContent xmlns:mc="http://schemas.openxmlformats.org/markup-compatibility/2006">
+        <mc:Choice xmlns:a14="http://schemas.microsoft.com/office/drawing/2010/main" Requires="a14">
+          <p:sp>
+            <p:nvSpPr>
+              <p:cNvPr id="2" name="Title 1">
+                <a:extLst>
+                  <a:ext uri="{FF2B5EF4-FFF2-40B4-BE49-F238E27FC236}">
+                    <a16:creationId xmlns:a16="http://schemas.microsoft.com/office/drawing/2014/main" id="{916B4D6F-75DE-B028-512D-A55440CCBC4D}"/>
+                  </a:ext>
+                </a:extLst>
+              </p:cNvPr>
+              <p:cNvSpPr>
+                <a:spLocks noGrp="1"/>
+              </p:cNvSpPr>
+              <p:nvPr>
+                <p:ph type="title"/>
+              </p:nvPr>
+            </p:nvSpPr>
+            <p:spPr/>
+            <p:txBody>
+              <a:bodyPr/>
+              <a:lstStyle/>
+              <a:p>
+                <a:r>
+                  <a:rPr lang="en-IN" dirty="0"/>
+                  <a:t>Multiple Sources = </a:t>
+                </a:r>
+                <a14:m>
+                  <m:oMath xmlns:m="http://schemas.openxmlformats.org/officeDocument/2006/math">
+                    <m:r>
+                      <a:rPr lang="en-US" b="1" i="1" smtClean="0">
+                        <a:latin typeface="Cambria Math" panose="02040503050406030204" pitchFamily="18" charset="0"/>
+                      </a:rPr>
+                      <m:t>𝟐</m:t>
+                    </m:r>
+                  </m:oMath>
+                </a14:m>
+                <a:r>
+                  <a:rPr lang="en-IN" dirty="0"/>
+                  <a:t> Substations*</a:t>
+                </a:r>
+                <a:br>
+                  <a:rPr lang="en-IN" dirty="0"/>
+                </a:br>
+                <a:r>
+                  <a:rPr lang="en-IN" sz="3600" dirty="0"/>
+                  <a:t>Network = </a:t>
+                </a:r>
+                <a14:m>
+                  <m:oMath xmlns:m="http://schemas.openxmlformats.org/officeDocument/2006/math">
+                    <m:r>
+                      <a:rPr lang="en-US" sz="3600" b="1" i="1" smtClean="0">
+                        <a:latin typeface="Cambria Math" panose="02040503050406030204" pitchFamily="18" charset="0"/>
+                      </a:rPr>
+                      <m:t>𝟐</m:t>
+                    </m:r>
+                  </m:oMath>
+                </a14:m>
+                <a:r>
+                  <a:rPr lang="en-IN" sz="3600" dirty="0"/>
+                  <a:t> Substations + </a:t>
+                </a:r>
+                <a14:m>
+                  <m:oMath xmlns:m="http://schemas.openxmlformats.org/officeDocument/2006/math">
+                    <m:r>
+                      <a:rPr lang="en-US" sz="3600" b="1" i="1" smtClean="0">
+                        <a:latin typeface="Cambria Math" panose="02040503050406030204" pitchFamily="18" charset="0"/>
+                      </a:rPr>
+                      <m:t>𝟐</m:t>
+                    </m:r>
+                  </m:oMath>
+                </a14:m>
+                <a:r>
+                  <a:rPr lang="en-IN" sz="3600" dirty="0"/>
+                  <a:t> Branches + </a:t>
+                </a:r>
+                <a14:m>
+                  <m:oMath xmlns:m="http://schemas.openxmlformats.org/officeDocument/2006/math">
+                    <m:r>
+                      <a:rPr lang="en-US" sz="3600" b="1" i="1" smtClean="0">
+                        <a:latin typeface="Cambria Math" panose="02040503050406030204" pitchFamily="18" charset="0"/>
+                      </a:rPr>
+                      <m:t>𝟏</m:t>
+                    </m:r>
+                  </m:oMath>
+                </a14:m>
+                <a:r>
+                  <a:rPr lang="en-IN" sz="3600" dirty="0"/>
+                  <a:t> Load*</a:t>
+                </a:r>
+                <a:br>
+                  <a:rPr lang="en-IN" sz="3600" dirty="0"/>
+                </a:br>
+                <a:r>
+                  <a:rPr lang="en-IN" sz="1800" dirty="0"/>
+                  <a:t>(*for now..)</a:t>
+                </a:r>
+                <a:endParaRPr lang="en-IN" dirty="0"/>
+              </a:p>
+            </p:txBody>
+          </p:sp>
+        </mc:Choice>
+        <mc:Fallback>
+          <p:sp>
+            <p:nvSpPr>
+              <p:cNvPr id="2" name="Title 1">
+                <a:extLst>
+                  <a:ext uri="{FF2B5EF4-FFF2-40B4-BE49-F238E27FC236}">
+                    <a16:creationId xmlns:a16="http://schemas.microsoft.com/office/drawing/2014/main" id="{916B4D6F-75DE-B028-512D-A55440CCBC4D}"/>
+                  </a:ext>
+                </a:extLst>
+              </p:cNvPr>
+              <p:cNvSpPr>
+                <a:spLocks noGrp="1" noRot="1" noChangeAspect="1" noMove="1" noResize="1" noEditPoints="1" noAdjustHandles="1" noChangeArrowheads="1" noChangeShapeType="1" noTextEdit="1"/>
+              </p:cNvSpPr>
+              <p:nvPr>
+                <p:ph type="title"/>
+              </p:nvPr>
+            </p:nvSpPr>
+            <p:spPr>
+              <a:blipFill>
+                <a:blip r:embed="rId2"/>
+                <a:stretch>
+                  <a:fillRect l="-3025" t="-17536" b="-10900"/>
+                </a:stretch>
+              </a:blipFill>
+            </p:spPr>
+            <p:txBody>
+              <a:bodyPr/>
+              <a:lstStyle/>
+              <a:p>
+                <a:r>
+                  <a:rPr lang="en-US">
+                    <a:noFill/>
+                  </a:rPr>
+                  <a:t> </a:t>
+                </a:r>
+              </a:p>
+            </p:txBody>
+          </p:sp>
+        </mc:Fallback>
+      </mc:AlternateContent>
+      <mc:AlternateContent xmlns:mc="http://schemas.openxmlformats.org/markup-compatibility/2006">
+        <mc:Choice xmlns:a14="http://schemas.microsoft.com/office/drawing/2010/main" Requires="a14">
+          <p:sp>
+            <p:nvSpPr>
+              <p:cNvPr id="3" name="Content Placeholder 2">
+                <a:extLst>
+                  <a:ext uri="{FF2B5EF4-FFF2-40B4-BE49-F238E27FC236}">
+                    <a16:creationId xmlns:a16="http://schemas.microsoft.com/office/drawing/2014/main" id="{84571C1E-5ED2-FEDF-6FA7-6D8DF7153C3C}"/>
+                  </a:ext>
+                </a:extLst>
+              </p:cNvPr>
+              <p:cNvSpPr>
+                <a:spLocks noGrp="1"/>
+              </p:cNvSpPr>
+              <p:nvPr>
+                <p:ph idx="1"/>
+              </p:nvPr>
+            </p:nvSpPr>
+            <p:spPr>
+              <a:xfrm>
+                <a:off x="1077687" y="2248664"/>
+                <a:ext cx="6045490" cy="4286531"/>
+              </a:xfrm>
+            </p:spPr>
+            <p:txBody>
+              <a:bodyPr/>
+              <a:lstStyle/>
+              <a:p>
+                <a:r>
+                  <a:rPr lang="en-IN" dirty="0"/>
+                  <a:t>Problem: Given a network with two substations with voltages </a:t>
+                </a:r>
+                <a14:m>
+                  <m:oMath xmlns:m="http://schemas.openxmlformats.org/officeDocument/2006/math">
+                    <m:sSub>
+                      <m:sSubPr>
+                        <m:ctrlPr>
+                          <a:rPr lang="en-US" b="0" i="1" smtClean="0">
+                            <a:latin typeface="Cambria Math" panose="02040503050406030204" pitchFamily="18" charset="0"/>
+                          </a:rPr>
+                        </m:ctrlPr>
+                      </m:sSubPr>
+                      <m:e>
+                        <m:r>
+                          <a:rPr lang="en-US" b="0" i="1" smtClean="0">
+                            <a:latin typeface="Cambria Math" panose="02040503050406030204" pitchFamily="18" charset="0"/>
+                          </a:rPr>
+                          <m:t>𝑉</m:t>
+                        </m:r>
+                      </m:e>
+                      <m:sub>
+                        <m:r>
+                          <a:rPr lang="en-US" b="0" i="1" smtClean="0">
+                            <a:latin typeface="Cambria Math" panose="02040503050406030204" pitchFamily="18" charset="0"/>
+                          </a:rPr>
+                          <m:t>1</m:t>
+                        </m:r>
+                      </m:sub>
+                    </m:sSub>
+                    <m:r>
+                      <a:rPr lang="en-US" b="0" i="1" smtClean="0">
+                        <a:latin typeface="Cambria Math" panose="02040503050406030204" pitchFamily="18" charset="0"/>
+                      </a:rPr>
+                      <m:t>∠0°</m:t>
+                    </m:r>
+                  </m:oMath>
+                </a14:m>
+                <a:r>
+                  <a:rPr lang="en-IN" dirty="0"/>
+                  <a:t> and </a:t>
+                </a:r>
+                <a14:m>
+                  <m:oMath xmlns:m="http://schemas.openxmlformats.org/officeDocument/2006/math">
+                    <m:sSub>
+                      <m:sSubPr>
+                        <m:ctrlPr>
+                          <a:rPr lang="en-US" b="0" i="1" smtClean="0">
+                            <a:latin typeface="Cambria Math" panose="02040503050406030204" pitchFamily="18" charset="0"/>
+                          </a:rPr>
+                        </m:ctrlPr>
+                      </m:sSubPr>
+                      <m:e>
+                        <m:r>
+                          <a:rPr lang="en-US" b="0" i="1" smtClean="0">
+                            <a:latin typeface="Cambria Math" panose="02040503050406030204" pitchFamily="18" charset="0"/>
+                          </a:rPr>
+                          <m:t>𝑉</m:t>
+                        </m:r>
+                      </m:e>
+                      <m:sub>
+                        <m:r>
+                          <a:rPr lang="en-US" b="0" i="1" smtClean="0">
+                            <a:latin typeface="Cambria Math" panose="02040503050406030204" pitchFamily="18" charset="0"/>
+                          </a:rPr>
+                          <m:t>2</m:t>
+                        </m:r>
+                      </m:sub>
+                    </m:sSub>
+                    <m:r>
+                      <a:rPr lang="en-US" b="0" i="1" smtClean="0">
+                        <a:latin typeface="Cambria Math" panose="02040503050406030204" pitchFamily="18" charset="0"/>
+                      </a:rPr>
+                      <m:t>∠−</m:t>
+                    </m:r>
+                    <m:r>
+                      <a:rPr lang="en-US" b="0" i="1" smtClean="0">
+                        <a:latin typeface="Cambria Math" panose="02040503050406030204" pitchFamily="18" charset="0"/>
+                      </a:rPr>
+                      <m:t>𝛿</m:t>
+                    </m:r>
+                    <m:r>
+                      <a:rPr lang="en-US" b="0" i="1" smtClean="0">
+                        <a:latin typeface="Cambria Math" panose="02040503050406030204" pitchFamily="18" charset="0"/>
+                      </a:rPr>
+                      <m:t>°</m:t>
+                    </m:r>
+                  </m:oMath>
+                </a14:m>
+                <a:r>
+                  <a:rPr lang="en-IN" dirty="0"/>
+                  <a:t>:</a:t>
+                </a:r>
+              </a:p>
+              <a:p>
+                <a:r>
+                  <a:rPr lang="en-IN" dirty="0"/>
+                  <a:t>Determine the optimal value of </a:t>
+                </a:r>
+                <a14:m>
+                  <m:oMath xmlns:m="http://schemas.openxmlformats.org/officeDocument/2006/math">
+                    <m:r>
+                      <a:rPr lang="en-US" b="0" i="1" smtClean="0">
+                        <a:latin typeface="Cambria Math" panose="02040503050406030204" pitchFamily="18" charset="0"/>
+                      </a:rPr>
+                      <m:t>𝛿</m:t>
+                    </m:r>
+                  </m:oMath>
+                </a14:m>
+                <a:r>
+                  <a:rPr lang="en-IN" dirty="0"/>
+                  <a:t> for any given objective function, say cost of substation power </a:t>
+                </a:r>
+                <a14:m>
+                  <m:oMath xmlns:m="http://schemas.openxmlformats.org/officeDocument/2006/math">
+                    <m:sSub>
+                      <m:sSubPr>
+                        <m:ctrlPr>
+                          <a:rPr lang="en-US" b="0" i="1" smtClean="0">
+                            <a:latin typeface="Cambria Math" panose="02040503050406030204" pitchFamily="18" charset="0"/>
+                          </a:rPr>
+                        </m:ctrlPr>
+                      </m:sSubPr>
+                      <m:e>
+                        <m:r>
+                          <a:rPr lang="en-US" b="0" i="1" smtClean="0">
+                            <a:latin typeface="Cambria Math" panose="02040503050406030204" pitchFamily="18" charset="0"/>
+                          </a:rPr>
+                          <m:t>𝐶</m:t>
+                        </m:r>
+                      </m:e>
+                      <m:sub>
+                        <m:r>
+                          <a:rPr lang="en-US" b="0" i="1" smtClean="0">
+                            <a:latin typeface="Cambria Math" panose="02040503050406030204" pitchFamily="18" charset="0"/>
+                          </a:rPr>
+                          <m:t>1</m:t>
+                        </m:r>
+                      </m:sub>
+                    </m:sSub>
+                    <m:r>
+                      <a:rPr lang="en-US" b="0" i="1" smtClean="0">
+                        <a:latin typeface="Cambria Math" panose="02040503050406030204" pitchFamily="18" charset="0"/>
+                      </a:rPr>
+                      <m:t>∗</m:t>
+                    </m:r>
+                    <m:sSub>
+                      <m:sSubPr>
+                        <m:ctrlPr>
+                          <a:rPr lang="en-US" b="0" i="1" smtClean="0">
+                            <a:latin typeface="Cambria Math" panose="02040503050406030204" pitchFamily="18" charset="0"/>
+                          </a:rPr>
+                        </m:ctrlPr>
+                      </m:sSubPr>
+                      <m:e>
+                        <m:sSub>
+                          <m:sSubPr>
+                            <m:ctrlPr>
+                              <a:rPr lang="en-US" b="0" i="1" smtClean="0">
+                                <a:latin typeface="Cambria Math" panose="02040503050406030204" pitchFamily="18" charset="0"/>
+                              </a:rPr>
+                            </m:ctrlPr>
+                          </m:sSubPr>
+                          <m:e>
+                            <m:r>
+                              <a:rPr lang="en-US" b="0" i="1" smtClean="0">
+                                <a:latin typeface="Cambria Math" panose="02040503050406030204" pitchFamily="18" charset="0"/>
+                              </a:rPr>
+                              <m:t>𝑃</m:t>
+                            </m:r>
+                          </m:e>
+                          <m:sub>
+                            <m:r>
+                              <a:rPr lang="en-US" b="0" i="1" smtClean="0">
+                                <a:latin typeface="Cambria Math" panose="02040503050406030204" pitchFamily="18" charset="0"/>
+                              </a:rPr>
+                              <m:t>𝑆𝑢𝑏𝑠</m:t>
+                            </m:r>
+                          </m:sub>
+                        </m:sSub>
+                      </m:e>
+                      <m:sub>
+                        <m:r>
+                          <a:rPr lang="en-US" b="0" i="1" smtClean="0">
+                            <a:latin typeface="Cambria Math" panose="02040503050406030204" pitchFamily="18" charset="0"/>
+                          </a:rPr>
+                          <m:t>1</m:t>
+                        </m:r>
+                      </m:sub>
+                    </m:sSub>
+                    <m:r>
+                      <a:rPr lang="en-US" b="0" i="1" smtClean="0">
+                        <a:latin typeface="Cambria Math" panose="02040503050406030204" pitchFamily="18" charset="0"/>
+                      </a:rPr>
+                      <m:t>+</m:t>
+                    </m:r>
+                    <m:sSub>
+                      <m:sSubPr>
+                        <m:ctrlPr>
+                          <a:rPr lang="en-US" b="0" i="1" smtClean="0">
+                            <a:latin typeface="Cambria Math" panose="02040503050406030204" pitchFamily="18" charset="0"/>
+                          </a:rPr>
+                        </m:ctrlPr>
+                      </m:sSubPr>
+                      <m:e>
+                        <m:r>
+                          <a:rPr lang="en-US" b="0" i="1" smtClean="0">
+                            <a:latin typeface="Cambria Math" panose="02040503050406030204" pitchFamily="18" charset="0"/>
+                          </a:rPr>
+                          <m:t>𝐶</m:t>
+                        </m:r>
+                      </m:e>
+                      <m:sub>
+                        <m:r>
+                          <a:rPr lang="en-US" b="0" i="1" smtClean="0">
+                            <a:latin typeface="Cambria Math" panose="02040503050406030204" pitchFamily="18" charset="0"/>
+                          </a:rPr>
+                          <m:t>2</m:t>
+                        </m:r>
+                      </m:sub>
+                    </m:sSub>
+                    <m:r>
+                      <a:rPr lang="en-US" b="0" i="1" smtClean="0">
+                        <a:latin typeface="Cambria Math" panose="02040503050406030204" pitchFamily="18" charset="0"/>
+                      </a:rPr>
+                      <m:t>∗</m:t>
+                    </m:r>
+                    <m:sSub>
+                      <m:sSubPr>
+                        <m:ctrlPr>
+                          <a:rPr lang="en-US" b="0" i="1" smtClean="0">
+                            <a:latin typeface="Cambria Math" panose="02040503050406030204" pitchFamily="18" charset="0"/>
+                          </a:rPr>
+                        </m:ctrlPr>
+                      </m:sSubPr>
+                      <m:e>
+                        <m:sSub>
+                          <m:sSubPr>
+                            <m:ctrlPr>
+                              <a:rPr lang="en-US" b="0" i="1" smtClean="0">
+                                <a:latin typeface="Cambria Math" panose="02040503050406030204" pitchFamily="18" charset="0"/>
+                              </a:rPr>
+                            </m:ctrlPr>
+                          </m:sSubPr>
+                          <m:e>
+                            <m:r>
+                              <a:rPr lang="en-US" b="0" i="1" smtClean="0">
+                                <a:latin typeface="Cambria Math" panose="02040503050406030204" pitchFamily="18" charset="0"/>
+                              </a:rPr>
+                              <m:t>𝑃</m:t>
+                            </m:r>
+                          </m:e>
+                          <m:sub>
+                            <m:r>
+                              <a:rPr lang="en-US" b="0" i="1" smtClean="0">
+                                <a:latin typeface="Cambria Math" panose="02040503050406030204" pitchFamily="18" charset="0"/>
+                              </a:rPr>
+                              <m:t>𝑆𝑢𝑏𝑠</m:t>
+                            </m:r>
+                          </m:sub>
+                        </m:sSub>
+                      </m:e>
+                      <m:sub>
+                        <m:r>
+                          <a:rPr lang="en-US" b="0" i="1" smtClean="0">
+                            <a:latin typeface="Cambria Math" panose="02040503050406030204" pitchFamily="18" charset="0"/>
+                          </a:rPr>
+                          <m:t>2</m:t>
+                        </m:r>
+                      </m:sub>
+                    </m:sSub>
+                  </m:oMath>
+                </a14:m>
+                <a:r>
+                  <a:rPr lang="en-IN" dirty="0"/>
+                  <a:t> </a:t>
+                </a:r>
+                <a:r>
+                  <a:rPr lang="en-IN" dirty="0" err="1"/>
+                  <a:t>s.t.</a:t>
+                </a:r>
+                <a:r>
+                  <a:rPr lang="en-IN" dirty="0"/>
+                  <a:t> other usual constraints of an active distribution network and </a:t>
+                </a:r>
+                <a:r>
+                  <a:rPr lang="en-IN" b="1" dirty="0"/>
+                  <a:t>NO backflow</a:t>
+                </a:r>
+                <a:r>
+                  <a:rPr lang="en-IN" dirty="0"/>
+                  <a:t>!</a:t>
+                </a:r>
+              </a:p>
+            </p:txBody>
+          </p:sp>
+        </mc:Choice>
+        <mc:Fallback>
+          <p:sp>
+            <p:nvSpPr>
+              <p:cNvPr id="3" name="Content Placeholder 2">
+                <a:extLst>
+                  <a:ext uri="{FF2B5EF4-FFF2-40B4-BE49-F238E27FC236}">
+                    <a16:creationId xmlns:a16="http://schemas.microsoft.com/office/drawing/2014/main" id="{84571C1E-5ED2-FEDF-6FA7-6D8DF7153C3C}"/>
+                  </a:ext>
+                </a:extLst>
+              </p:cNvPr>
+              <p:cNvSpPr>
+                <a:spLocks noGrp="1" noRot="1" noChangeAspect="1" noMove="1" noResize="1" noEditPoints="1" noAdjustHandles="1" noChangeArrowheads="1" noChangeShapeType="1" noTextEdit="1"/>
+              </p:cNvSpPr>
+              <p:nvPr>
+                <p:ph idx="1"/>
+              </p:nvPr>
+            </p:nvSpPr>
+            <p:spPr>
+              <a:xfrm>
+                <a:off x="1077687" y="2248664"/>
+                <a:ext cx="6045490" cy="4286531"/>
+              </a:xfrm>
+              <a:blipFill>
+                <a:blip r:embed="rId3"/>
+                <a:stretch>
+                  <a:fillRect l="-2817" t="-2979" r="-3521"/>
+                </a:stretch>
+              </a:blipFill>
+            </p:spPr>
+            <p:txBody>
+              <a:bodyPr/>
+              <a:lstStyle/>
+              <a:p>
+                <a:r>
+                  <a:rPr lang="en-US">
+                    <a:noFill/>
+                  </a:rPr>
+                  <a:t> </a:t>
+                </a:r>
+              </a:p>
+            </p:txBody>
+          </p:sp>
+        </mc:Fallback>
+      </mc:AlternateContent>
+      <p:pic>
+        <p:nvPicPr>
+          <p:cNvPr id="5" name="Picture 4">
+            <a:extLst>
+              <a:ext uri="{FF2B5EF4-FFF2-40B4-BE49-F238E27FC236}">
+                <a16:creationId xmlns:a16="http://schemas.microsoft.com/office/drawing/2014/main" id="{FA936387-36D7-A2C9-7FBA-3BBBC9442DCA}"/>
+              </a:ext>
+            </a:extLst>
+          </p:cNvPr>
+          <p:cNvPicPr>
+            <a:picLocks noChangeAspect="1"/>
+          </p:cNvPicPr>
+          <p:nvPr/>
+        </p:nvPicPr>
+        <p:blipFill>
+          <a:blip r:embed="rId4"/>
+          <a:stretch>
+            <a:fillRect/>
+          </a:stretch>
+        </p:blipFill>
+        <p:spPr>
+          <a:xfrm>
+            <a:off x="9191068" y="2778127"/>
+            <a:ext cx="2514951" cy="3724795"/>
+          </a:xfrm>
+          <a:prstGeom prst="rect">
+            <a:avLst/>
+          </a:prstGeom>
+        </p:spPr>
+      </p:pic>
+    </p:spTree>
+    <p:extLst>
+      <p:ext uri="{BB962C8B-B14F-4D97-AF65-F5344CB8AC3E}">
+        <p14:creationId xmlns:p14="http://schemas.microsoft.com/office/powerpoint/2010/main" val="2596443258"/>
+      </p:ext>
+    </p:extLst>
+  </p:cSld>
+  <p:clrMapOvr>
+    <a:masterClrMapping/>
+  </p:clrMapOvr>
+</p:sld>
+</file>
+
+<file path=ppt/slides/slide3.xml><?xml version="1.0" encoding="utf-8"?>
+<p:sld xmlns:a="http://schemas.openxmlformats.org/drawingml/2006/main" xmlns:r="http://schemas.openxmlformats.org/officeDocument/2006/relationships" xmlns:p="http://schemas.openxmlformats.org/presentationml/2006/main">
+  <p:cSld>
+    <p:spTree>
+      <p:nvGrpSpPr>
+        <p:cNvPr id="1" name="">
+          <a:extLst>
+            <a:ext uri="{FF2B5EF4-FFF2-40B4-BE49-F238E27FC236}">
+              <a16:creationId xmlns:a16="http://schemas.microsoft.com/office/drawing/2014/main" id="{29BF2FE4-46D5-FB87-1E08-049F4847F60E}"/>
+            </a:ext>
+          </a:extLst>
+        </p:cNvPr>
+        <p:cNvGrpSpPr/>
+        <p:nvPr/>
+      </p:nvGrpSpPr>
+      <p:grpSpPr>
+        <a:xfrm>
+          <a:off x="0" y="0"/>
+          <a:ext cx="0" cy="0"/>
+          <a:chOff x="0" y="0"/>
+          <a:chExt cx="0" cy="0"/>
+        </a:xfrm>
+      </p:grpSpPr>
       <p:sp>
         <p:nvSpPr>
           <p:cNvPr id="2" name="Title 1">
             <a:extLst>
               <a:ext uri="{FF2B5EF4-FFF2-40B4-BE49-F238E27FC236}">
-                <a16:creationId xmlns:a16="http://schemas.microsoft.com/office/drawing/2014/main" id="{916B4D6F-75DE-B028-512D-A55440CCBC4D}"/>
+                <a16:creationId xmlns:a16="http://schemas.microsoft.com/office/drawing/2014/main" id="{A3C07BCF-3CBA-B242-38E4-976A46A5FA9F}"/>
               </a:ext>
             </a:extLst>
           </p:cNvPr>
@@ -1960,7 +2812,11 @@
           <a:bodyPr/>
           <a:lstStyle/>
           <a:p>
-            <a:endParaRPr lang="en-IN"/>
+            <a:r>
+              <a:rPr lang="en-US" dirty="0"/>
+              <a:t>Optimization using BFM-NL</a:t>
+            </a:r>
+            <a:endParaRPr lang="en-IN" dirty="0"/>
           </a:p>
         </p:txBody>
       </p:sp>
@@ -1969,7 +2825,7 @@
           <p:cNvPr id="3" name="Content Placeholder 2">
             <a:extLst>
               <a:ext uri="{FF2B5EF4-FFF2-40B4-BE49-F238E27FC236}">
-                <a16:creationId xmlns:a16="http://schemas.microsoft.com/office/drawing/2014/main" id="{84571C1E-5ED2-FEDF-6FA7-6D8DF7153C3C}"/>
+                <a16:creationId xmlns:a16="http://schemas.microsoft.com/office/drawing/2014/main" id="{AB6245A8-5BFB-85C1-A85F-2866BBC2B06E}"/>
               </a:ext>
             </a:extLst>
           </p:cNvPr>
@@ -1980,19 +2836,1216 @@
             <p:ph idx="1"/>
           </p:nvPr>
         </p:nvSpPr>
+        <p:spPr>
+          <a:xfrm>
+            <a:off x="1077687" y="2248664"/>
+            <a:ext cx="6045490" cy="4286531"/>
+          </a:xfrm>
+        </p:spPr>
+        <p:txBody>
+          <a:bodyPr/>
+          <a:lstStyle/>
+          <a:p>
+            <a:r>
+              <a:rPr lang="en-US" dirty="0"/>
+              <a:t>Using Branch Flow Model (Nonlinear) I can optimize for the optimal power flow of the network – note that BFM does not take into consideration (relative) voltage angles of the substations.</a:t>
+            </a:r>
+          </a:p>
+          <a:p>
+            <a:endParaRPr lang="en-US" dirty="0"/>
+          </a:p>
+          <a:p>
+            <a:r>
+              <a:rPr lang="en-US" dirty="0"/>
+              <a:t>Is the modelling (and thus the solution) even correct?</a:t>
+            </a:r>
+            <a:endParaRPr lang="en-IN" dirty="0"/>
+          </a:p>
+        </p:txBody>
+      </p:sp>
+      <p:pic>
+        <p:nvPicPr>
+          <p:cNvPr id="5" name="Picture 4">
+            <a:extLst>
+              <a:ext uri="{FF2B5EF4-FFF2-40B4-BE49-F238E27FC236}">
+                <a16:creationId xmlns:a16="http://schemas.microsoft.com/office/drawing/2014/main" id="{92835EBD-05BA-B50D-7423-696D7BF9EAB1}"/>
+              </a:ext>
+            </a:extLst>
+          </p:cNvPr>
+          <p:cNvPicPr>
+            <a:picLocks noChangeAspect="1"/>
+          </p:cNvPicPr>
+          <p:nvPr/>
+        </p:nvPicPr>
+        <p:blipFill>
+          <a:blip r:embed="rId2">
+            <a:extLst>
+              <a:ext uri="{28A0092B-C50C-407E-A947-70E740481C1C}">
+                <a14:useLocalDpi xmlns:a14="http://schemas.microsoft.com/office/drawing/2010/main" val="0"/>
+              </a:ext>
+            </a:extLst>
+          </a:blip>
+          <a:srcRect/>
+          <a:stretch/>
+        </p:blipFill>
+        <p:spPr>
+          <a:xfrm>
+            <a:off x="7627444" y="2384686"/>
+            <a:ext cx="4296359" cy="3568058"/>
+          </a:xfrm>
+          <a:prstGeom prst="rect">
+            <a:avLst/>
+          </a:prstGeom>
+        </p:spPr>
+      </p:pic>
+    </p:spTree>
+    <p:extLst>
+      <p:ext uri="{BB962C8B-B14F-4D97-AF65-F5344CB8AC3E}">
+        <p14:creationId xmlns:p14="http://schemas.microsoft.com/office/powerpoint/2010/main" val="113209233"/>
+      </p:ext>
+    </p:extLst>
+  </p:cSld>
+  <p:clrMapOvr>
+    <a:masterClrMapping/>
+  </p:clrMapOvr>
+</p:sld>
+</file>
+
+<file path=ppt/slides/slide4.xml><?xml version="1.0" encoding="utf-8"?>
+<p:sld xmlns:a="http://schemas.openxmlformats.org/drawingml/2006/main" xmlns:r="http://schemas.openxmlformats.org/officeDocument/2006/relationships" xmlns:p="http://schemas.openxmlformats.org/presentationml/2006/main">
+  <p:cSld>
+    <p:spTree>
+      <p:nvGrpSpPr>
+        <p:cNvPr id="1" name="">
+          <a:extLst>
+            <a:ext uri="{FF2B5EF4-FFF2-40B4-BE49-F238E27FC236}">
+              <a16:creationId xmlns:a16="http://schemas.microsoft.com/office/drawing/2014/main" id="{55CDDC90-6318-D1DF-2B93-D88EF905F4B9}"/>
+            </a:ext>
+          </a:extLst>
+        </p:cNvPr>
+        <p:cNvGrpSpPr/>
+        <p:nvPr/>
+      </p:nvGrpSpPr>
+      <p:grpSpPr>
+        <a:xfrm>
+          <a:off x="0" y="0"/>
+          <a:ext cx="0" cy="0"/>
+          <a:chOff x="0" y="0"/>
+          <a:chExt cx="0" cy="0"/>
+        </a:xfrm>
+      </p:grpSpPr>
+      <p:sp>
+        <p:nvSpPr>
+          <p:cNvPr id="2" name="Title 1">
+            <a:extLst>
+              <a:ext uri="{FF2B5EF4-FFF2-40B4-BE49-F238E27FC236}">
+                <a16:creationId xmlns:a16="http://schemas.microsoft.com/office/drawing/2014/main" id="{29C2FCE7-A99E-4FBB-B539-E34D6C08F4E4}"/>
+              </a:ext>
+            </a:extLst>
+          </p:cNvPr>
+          <p:cNvSpPr>
+            <a:spLocks noGrp="1"/>
+          </p:cNvSpPr>
+          <p:nvPr>
+            <p:ph type="title"/>
+          </p:nvPr>
+        </p:nvSpPr>
         <p:spPr/>
         <p:txBody>
           <a:bodyPr/>
           <a:lstStyle/>
           <a:p>
+            <a:r>
+              <a:rPr lang="en-US" dirty="0"/>
+              <a:t>Optimization using BFM-NL</a:t>
+            </a:r>
             <a:endParaRPr lang="en-IN" dirty="0"/>
           </a:p>
         </p:txBody>
       </p:sp>
+      <mc:AlternateContent xmlns:mc="http://schemas.openxmlformats.org/markup-compatibility/2006">
+        <mc:Choice xmlns:a14="http://schemas.microsoft.com/office/drawing/2010/main" Requires="a14">
+          <p:sp>
+            <p:nvSpPr>
+              <p:cNvPr id="3" name="Content Placeholder 2">
+                <a:extLst>
+                  <a:ext uri="{FF2B5EF4-FFF2-40B4-BE49-F238E27FC236}">
+                    <a16:creationId xmlns:a16="http://schemas.microsoft.com/office/drawing/2014/main" id="{0B83101F-D8F0-4284-9535-15792E34B273}"/>
+                  </a:ext>
+                </a:extLst>
+              </p:cNvPr>
+              <p:cNvSpPr>
+                <a:spLocks noGrp="1"/>
+              </p:cNvSpPr>
+              <p:nvPr>
+                <p:ph idx="1"/>
+              </p:nvPr>
+            </p:nvSpPr>
+            <p:spPr>
+              <a:xfrm>
+                <a:off x="1077687" y="2248664"/>
+                <a:ext cx="6045490" cy="4286531"/>
+              </a:xfrm>
+            </p:spPr>
+            <p:txBody>
+              <a:bodyPr/>
+              <a:lstStyle/>
+              <a:p>
+                <a:pPr marL="0" indent="0">
+                  <a:buNone/>
+                </a:pPr>
+                <a:r>
+                  <a:rPr lang="en-US" dirty="0"/>
+                  <a:t>Is the modelling (and thus the solution) even correct?</a:t>
+                </a:r>
+              </a:p>
+              <a:p>
+                <a:pPr marL="0" indent="0">
+                  <a:buNone/>
+                </a:pPr>
+                <a:endParaRPr lang="en-US" dirty="0"/>
+              </a:p>
+              <a:p>
+                <a:r>
+                  <a:rPr lang="en-US" dirty="0">
+                    <a:solidFill>
+                      <a:schemeClr val="accent6">
+                        <a:lumMod val="40000"/>
+                        <a:lumOff val="60000"/>
+                      </a:schemeClr>
+                    </a:solidFill>
+                    <a:hlinkClick r:id="rId2" tooltip="https://ieeexplore.ieee.org/ielx7/59/6563116/06507355.pdf">
+                      <a:extLst>
+                        <a:ext uri="{A12FA001-AC4F-418D-AE19-62706E023703}">
+                          <ahyp:hlinkClr xmlns:ahyp="http://schemas.microsoft.com/office/drawing/2018/hyperlinkcolor" val="tx"/>
+                        </a:ext>
+                      </a:extLst>
+                    </a:hlinkClick>
+                  </a:rPr>
+                  <a:t>BFM-NL-reference-paper-</a:t>
+                </a:r>
+                <a:r>
+                  <a:rPr lang="en-US" dirty="0" err="1">
+                    <a:solidFill>
+                      <a:schemeClr val="accent6">
+                        <a:lumMod val="40000"/>
+                        <a:lumOff val="60000"/>
+                      </a:schemeClr>
+                    </a:solidFill>
+                    <a:hlinkClick r:id="rId2" tooltip="https://ieeexplore.ieee.org/ielx7/59/6563116/06507355.pdf">
+                      <a:extLst>
+                        <a:ext uri="{A12FA001-AC4F-418D-AE19-62706E023703}">
+                          <ahyp:hlinkClr xmlns:ahyp="http://schemas.microsoft.com/office/drawing/2018/hyperlinkcolor" val="tx"/>
+                        </a:ext>
+                      </a:extLst>
+                    </a:hlinkClick>
+                  </a:rPr>
+                  <a:t>SHLow</a:t>
+                </a:r>
+                <a:endParaRPr lang="en-US" dirty="0">
+                  <a:solidFill>
+                    <a:schemeClr val="accent6">
+                      <a:lumMod val="40000"/>
+                      <a:lumOff val="60000"/>
+                    </a:schemeClr>
+                  </a:solidFill>
+                </a:endParaRPr>
+              </a:p>
+              <a:p>
+                <a:r>
+                  <a:rPr lang="en-US" dirty="0"/>
+                  <a:t> </a:t>
+                </a:r>
+              </a:p>
+              <a:p>
+                <a:r>
+                  <a:rPr lang="en-US" sz="1800" dirty="0"/>
+                  <a:t>Technically the branch flow model </a:t>
+                </a:r>
+                <a:r>
+                  <a:rPr lang="en-US" sz="1800" i="1" dirty="0"/>
+                  <a:t>just </a:t>
+                </a:r>
+                <a:r>
+                  <a:rPr lang="en-US" sz="1800" dirty="0"/>
+                  <a:t>allows for multiple 'parent' nodes for each node. So my </a:t>
+                </a:r>
+                <a:r>
+                  <a:rPr lang="en-US" sz="1800" b="1" dirty="0"/>
+                  <a:t>current formulation shouldn't be incorrect</a:t>
+                </a:r>
+                <a:r>
+                  <a:rPr lang="en-US" sz="1800" dirty="0"/>
+                  <a:t>.</a:t>
+                </a:r>
+              </a:p>
+              <a:p>
+                <a:endParaRPr lang="en-US" sz="1800" dirty="0"/>
+              </a:p>
+              <a:p>
+                <a:r>
+                  <a:rPr lang="en-US" sz="1800" dirty="0"/>
+                  <a:t>But only listing </a:t>
+                </a:r>
+                <a14:m>
+                  <m:oMath xmlns:m="http://schemas.openxmlformats.org/officeDocument/2006/math">
+                    <m:sSub>
+                      <m:sSubPr>
+                        <m:ctrlPr>
+                          <a:rPr lang="en-US" sz="1800" b="0" i="1" smtClean="0">
+                            <a:latin typeface="Cambria Math" panose="02040503050406030204" pitchFamily="18" charset="0"/>
+                          </a:rPr>
+                        </m:ctrlPr>
+                      </m:sSubPr>
+                      <m:e>
+                        <m:r>
+                          <a:rPr lang="en-US" sz="1800" b="0" i="1" smtClean="0">
+                            <a:latin typeface="Cambria Math" panose="02040503050406030204" pitchFamily="18" charset="0"/>
+                          </a:rPr>
+                          <m:t>𝑃</m:t>
+                        </m:r>
+                      </m:e>
+                      <m:sub>
+                        <m:r>
+                          <a:rPr lang="en-US" sz="1800" b="0" i="1" smtClean="0">
+                            <a:latin typeface="Cambria Math" panose="02040503050406030204" pitchFamily="18" charset="0"/>
+                          </a:rPr>
+                          <m:t>𝑖𝑗</m:t>
+                        </m:r>
+                      </m:sub>
+                    </m:sSub>
+                    <m:r>
+                      <a:rPr lang="en-US" sz="1800" b="0" i="1" smtClean="0">
+                        <a:latin typeface="Cambria Math" panose="02040503050406030204" pitchFamily="18" charset="0"/>
+                      </a:rPr>
+                      <m:t>, </m:t>
+                    </m:r>
+                    <m:sSub>
+                      <m:sSubPr>
+                        <m:ctrlPr>
+                          <a:rPr lang="en-US" sz="1800" b="0" i="1" smtClean="0">
+                            <a:latin typeface="Cambria Math" panose="02040503050406030204" pitchFamily="18" charset="0"/>
+                          </a:rPr>
+                        </m:ctrlPr>
+                      </m:sSubPr>
+                      <m:e>
+                        <m:r>
+                          <a:rPr lang="en-US" sz="1800" b="0" i="1" smtClean="0">
+                            <a:latin typeface="Cambria Math" panose="02040503050406030204" pitchFamily="18" charset="0"/>
+                          </a:rPr>
+                          <m:t>𝑄</m:t>
+                        </m:r>
+                      </m:e>
+                      <m:sub>
+                        <m:r>
+                          <a:rPr lang="en-US" sz="1800" b="0" i="1" smtClean="0">
+                            <a:latin typeface="Cambria Math" panose="02040503050406030204" pitchFamily="18" charset="0"/>
+                          </a:rPr>
+                          <m:t>𝑖𝑗</m:t>
+                        </m:r>
+                      </m:sub>
+                    </m:sSub>
+                    <m:r>
+                      <a:rPr lang="en-US" sz="1800" b="0" i="1" smtClean="0">
+                        <a:latin typeface="Cambria Math" panose="02040503050406030204" pitchFamily="18" charset="0"/>
+                      </a:rPr>
+                      <m:t>, </m:t>
+                    </m:r>
+                    <m:sSub>
+                      <m:sSubPr>
+                        <m:ctrlPr>
+                          <a:rPr lang="en-US" sz="1800" b="0" i="1" smtClean="0">
+                            <a:latin typeface="Cambria Math" panose="02040503050406030204" pitchFamily="18" charset="0"/>
+                          </a:rPr>
+                        </m:ctrlPr>
+                      </m:sSubPr>
+                      <m:e>
+                        <m:r>
+                          <a:rPr lang="en-US" sz="1800" b="0" i="1" smtClean="0">
+                            <a:latin typeface="Cambria Math" panose="02040503050406030204" pitchFamily="18" charset="0"/>
+                          </a:rPr>
+                          <m:t>𝑣</m:t>
+                        </m:r>
+                      </m:e>
+                      <m:sub>
+                        <m:r>
+                          <a:rPr lang="en-US" sz="1800" b="0" i="1" smtClean="0">
+                            <a:latin typeface="Cambria Math" panose="02040503050406030204" pitchFamily="18" charset="0"/>
+                          </a:rPr>
+                          <m:t>𝑗</m:t>
+                        </m:r>
+                      </m:sub>
+                    </m:sSub>
+                    <m:r>
+                      <a:rPr lang="en-US" sz="1800" b="0" i="1" smtClean="0">
+                        <a:latin typeface="Cambria Math" panose="02040503050406030204" pitchFamily="18" charset="0"/>
+                      </a:rPr>
+                      <m:t>, </m:t>
+                    </m:r>
+                    <m:sSub>
+                      <m:sSubPr>
+                        <m:ctrlPr>
+                          <a:rPr lang="en-US" sz="1800" b="0" i="1" smtClean="0">
+                            <a:latin typeface="Cambria Math" panose="02040503050406030204" pitchFamily="18" charset="0"/>
+                          </a:rPr>
+                        </m:ctrlPr>
+                      </m:sSubPr>
+                      <m:e>
+                        <m:r>
+                          <a:rPr lang="en-US" sz="1800" b="0" i="1" smtClean="0">
+                            <a:latin typeface="Cambria Math" panose="02040503050406030204" pitchFamily="18" charset="0"/>
+                          </a:rPr>
+                          <m:t>𝑙</m:t>
+                        </m:r>
+                      </m:e>
+                      <m:sub>
+                        <m:r>
+                          <a:rPr lang="en-US" sz="1800" b="0" i="1" smtClean="0">
+                            <a:latin typeface="Cambria Math" panose="02040503050406030204" pitchFamily="18" charset="0"/>
+                          </a:rPr>
+                          <m:t>𝑖𝑗</m:t>
+                        </m:r>
+                      </m:sub>
+                    </m:sSub>
+                  </m:oMath>
+                </a14:m>
+                <a:r>
+                  <a:rPr lang="en-US" sz="1800" dirty="0"/>
+                  <a:t> isn’t enough any longer, need to tell angles as well, in particular the </a:t>
+                </a:r>
+                <a14:m>
+                  <m:oMath xmlns:m="http://schemas.openxmlformats.org/officeDocument/2006/math">
+                    <m:r>
+                      <a:rPr lang="en-US" sz="1800" b="0" i="1" smtClean="0">
+                        <a:latin typeface="Cambria Math" panose="02040503050406030204" pitchFamily="18" charset="0"/>
+                      </a:rPr>
+                      <m:t>𝛿</m:t>
+                    </m:r>
+                  </m:oMath>
+                </a14:m>
+                <a:r>
+                  <a:rPr lang="en-US" sz="1800" dirty="0"/>
+                  <a:t> value assumed for substation </a:t>
+                </a:r>
+                <a14:m>
+                  <m:oMath xmlns:m="http://schemas.openxmlformats.org/officeDocument/2006/math">
+                    <m:r>
+                      <a:rPr lang="en-US" sz="1800" b="0" i="1" smtClean="0">
+                        <a:latin typeface="Cambria Math" panose="02040503050406030204" pitchFamily="18" charset="0"/>
+                      </a:rPr>
+                      <m:t>2</m:t>
+                    </m:r>
+                  </m:oMath>
+                </a14:m>
+                <a:r>
+                  <a:rPr lang="en-US" sz="1800" dirty="0"/>
+                  <a:t> for this solution (if this is even a non-fake solution!)</a:t>
+                </a:r>
+              </a:p>
+              <a:p>
+                <a:pPr marL="0" indent="0">
+                  <a:buNone/>
+                </a:pPr>
+                <a:endParaRPr lang="en-IN" dirty="0"/>
+              </a:p>
+            </p:txBody>
+          </p:sp>
+        </mc:Choice>
+        <mc:Fallback>
+          <p:sp>
+            <p:nvSpPr>
+              <p:cNvPr id="3" name="Content Placeholder 2">
+                <a:extLst>
+                  <a:ext uri="{FF2B5EF4-FFF2-40B4-BE49-F238E27FC236}">
+                    <a16:creationId xmlns:a16="http://schemas.microsoft.com/office/drawing/2014/main" id="{0B83101F-D8F0-4284-9535-15792E34B273}"/>
+                  </a:ext>
+                </a:extLst>
+              </p:cNvPr>
+              <p:cNvSpPr>
+                <a:spLocks noGrp="1" noRot="1" noChangeAspect="1" noMove="1" noResize="1" noEditPoints="1" noAdjustHandles="1" noChangeArrowheads="1" noChangeShapeType="1" noTextEdit="1"/>
+              </p:cNvSpPr>
+              <p:nvPr>
+                <p:ph idx="1"/>
+              </p:nvPr>
+            </p:nvSpPr>
+            <p:spPr>
+              <a:xfrm>
+                <a:off x="1077687" y="2248664"/>
+                <a:ext cx="6045490" cy="4286531"/>
+              </a:xfrm>
+              <a:blipFill>
+                <a:blip r:embed="rId3"/>
+                <a:stretch>
+                  <a:fillRect l="-3018" t="-2979" r="-1107" b="-2270"/>
+                </a:stretch>
+              </a:blipFill>
+            </p:spPr>
+            <p:txBody>
+              <a:bodyPr/>
+              <a:lstStyle/>
+              <a:p>
+                <a:r>
+                  <a:rPr lang="en-US">
+                    <a:noFill/>
+                  </a:rPr>
+                  <a:t> </a:t>
+                </a:r>
+              </a:p>
+            </p:txBody>
+          </p:sp>
+        </mc:Fallback>
+      </mc:AlternateContent>
+      <p:pic>
+        <p:nvPicPr>
+          <p:cNvPr id="5" name="Picture 4">
+            <a:extLst>
+              <a:ext uri="{FF2B5EF4-FFF2-40B4-BE49-F238E27FC236}">
+                <a16:creationId xmlns:a16="http://schemas.microsoft.com/office/drawing/2014/main" id="{44F498BD-BDE4-3B2C-CB89-D2FA7FF5FEA4}"/>
+              </a:ext>
+            </a:extLst>
+          </p:cNvPr>
+          <p:cNvPicPr>
+            <a:picLocks noChangeAspect="1"/>
+          </p:cNvPicPr>
+          <p:nvPr/>
+        </p:nvPicPr>
+        <p:blipFill>
+          <a:blip r:embed="rId4">
+            <a:extLst>
+              <a:ext uri="{28A0092B-C50C-407E-A947-70E740481C1C}">
+                <a14:useLocalDpi xmlns:a14="http://schemas.microsoft.com/office/drawing/2010/main" val="0"/>
+              </a:ext>
+            </a:extLst>
+          </a:blip>
+          <a:srcRect/>
+          <a:stretch/>
+        </p:blipFill>
+        <p:spPr>
+          <a:xfrm>
+            <a:off x="8011493" y="162694"/>
+            <a:ext cx="3025316" cy="2512477"/>
+          </a:xfrm>
+          <a:prstGeom prst="rect">
+            <a:avLst/>
+          </a:prstGeom>
+        </p:spPr>
+      </p:pic>
+      <p:pic>
+        <p:nvPicPr>
+          <p:cNvPr id="1026" name="Picture 2">
+            <a:extLst>
+              <a:ext uri="{FF2B5EF4-FFF2-40B4-BE49-F238E27FC236}">
+                <a16:creationId xmlns:a16="http://schemas.microsoft.com/office/drawing/2014/main" id="{009B40C7-C22D-9754-9D83-905F08E4082C}"/>
+              </a:ext>
+            </a:extLst>
+          </p:cNvPr>
+          <p:cNvPicPr>
+            <a:picLocks noChangeAspect="1" noChangeArrowheads="1"/>
+          </p:cNvPicPr>
+          <p:nvPr/>
+        </p:nvPicPr>
+        <p:blipFill>
+          <a:blip r:embed="rId5">
+            <a:extLst>
+              <a:ext uri="{28A0092B-C50C-407E-A947-70E740481C1C}">
+                <a14:useLocalDpi xmlns:a14="http://schemas.microsoft.com/office/drawing/2010/main" val="0"/>
+              </a:ext>
+            </a:extLst>
+          </a:blip>
+          <a:srcRect/>
+          <a:stretch>
+            <a:fillRect/>
+          </a:stretch>
+        </p:blipFill>
+        <p:spPr bwMode="auto">
+          <a:xfrm>
+            <a:off x="7730809" y="2918398"/>
+            <a:ext cx="3936936" cy="3679698"/>
+          </a:xfrm>
+          <a:prstGeom prst="rect">
+            <a:avLst/>
+          </a:prstGeom>
+          <a:noFill/>
+          <a:extLst>
+            <a:ext uri="{909E8E84-426E-40DD-AFC4-6F175D3DCCD1}">
+              <a14:hiddenFill xmlns:a14="http://schemas.microsoft.com/office/drawing/2010/main">
+                <a:solidFill>
+                  <a:srgbClr val="FFFFFF"/>
+                </a:solidFill>
+              </a14:hiddenFill>
+            </a:ext>
+          </a:extLst>
+        </p:spPr>
+      </p:pic>
     </p:spTree>
     <p:extLst>
       <p:ext uri="{BB962C8B-B14F-4D97-AF65-F5344CB8AC3E}">
-        <p14:creationId xmlns:p14="http://schemas.microsoft.com/office/powerpoint/2010/main" val="2596443258"/>
+        <p14:creationId xmlns:p14="http://schemas.microsoft.com/office/powerpoint/2010/main" val="2833867635"/>
+      </p:ext>
+    </p:extLst>
+  </p:cSld>
+  <p:clrMapOvr>
+    <a:masterClrMapping/>
+  </p:clrMapOvr>
+</p:sld>
+</file>
+
+<file path=ppt/slides/slide5.xml><?xml version="1.0" encoding="utf-8"?>
+<p:sld xmlns:a="http://schemas.openxmlformats.org/drawingml/2006/main" xmlns:r="http://schemas.openxmlformats.org/officeDocument/2006/relationships" xmlns:p="http://schemas.openxmlformats.org/presentationml/2006/main">
+  <p:cSld>
+    <p:spTree>
+      <p:nvGrpSpPr>
+        <p:cNvPr id="1" name="">
+          <a:extLst>
+            <a:ext uri="{FF2B5EF4-FFF2-40B4-BE49-F238E27FC236}">
+              <a16:creationId xmlns:a16="http://schemas.microsoft.com/office/drawing/2014/main" id="{03181A32-9E25-2BC6-E88D-914B2C01BBFA}"/>
+            </a:ext>
+          </a:extLst>
+        </p:cNvPr>
+        <p:cNvGrpSpPr/>
+        <p:nvPr/>
+      </p:nvGrpSpPr>
+      <p:grpSpPr>
+        <a:xfrm>
+          <a:off x="0" y="0"/>
+          <a:ext cx="0" cy="0"/>
+          <a:chOff x="0" y="0"/>
+          <a:chExt cx="0" cy="0"/>
+        </a:xfrm>
+      </p:grpSpPr>
+      <p:sp>
+        <p:nvSpPr>
+          <p:cNvPr id="2" name="Title 1">
+            <a:extLst>
+              <a:ext uri="{FF2B5EF4-FFF2-40B4-BE49-F238E27FC236}">
+                <a16:creationId xmlns:a16="http://schemas.microsoft.com/office/drawing/2014/main" id="{C8644C2C-8C71-56E3-D299-DC7CC9ABA785}"/>
+              </a:ext>
+            </a:extLst>
+          </p:cNvPr>
+          <p:cNvSpPr>
+            <a:spLocks noGrp="1"/>
+          </p:cNvSpPr>
+          <p:nvPr>
+            <p:ph type="title"/>
+          </p:nvPr>
+        </p:nvSpPr>
+        <p:spPr/>
+        <p:txBody>
+          <a:bodyPr/>
+          <a:lstStyle/>
+          <a:p>
+            <a:r>
+              <a:rPr lang="en-US" dirty="0"/>
+              <a:t>Optimization using BFM-NL</a:t>
+            </a:r>
+            <a:endParaRPr lang="en-IN" dirty="0"/>
+          </a:p>
+        </p:txBody>
+      </p:sp>
+      <p:sp>
+        <p:nvSpPr>
+          <p:cNvPr id="3" name="Content Placeholder 2">
+            <a:extLst>
+              <a:ext uri="{FF2B5EF4-FFF2-40B4-BE49-F238E27FC236}">
+                <a16:creationId xmlns:a16="http://schemas.microsoft.com/office/drawing/2014/main" id="{7152D378-A881-E87E-63F9-C4B1629E72B3}"/>
+              </a:ext>
+            </a:extLst>
+          </p:cNvPr>
+          <p:cNvSpPr>
+            <a:spLocks noGrp="1"/>
+          </p:cNvSpPr>
+          <p:nvPr>
+            <p:ph idx="1"/>
+          </p:nvPr>
+        </p:nvSpPr>
+        <p:spPr>
+          <a:xfrm>
+            <a:off x="1077687" y="2248664"/>
+            <a:ext cx="6045490" cy="4286531"/>
+          </a:xfrm>
+        </p:spPr>
+        <p:txBody>
+          <a:bodyPr/>
+          <a:lstStyle/>
+          <a:p>
+            <a:pPr marL="0" indent="0">
+              <a:buNone/>
+            </a:pPr>
+            <a:r>
+              <a:rPr lang="en-US" dirty="0"/>
+              <a:t>It looks like I need to study part II of the paper to understand the angle recovery process – nonunique and nontrivial for ‘meshed’ systems</a:t>
+            </a:r>
+          </a:p>
+          <a:p>
+            <a:pPr marL="0" indent="0">
+              <a:buNone/>
+            </a:pPr>
+            <a:endParaRPr lang="en-US" dirty="0"/>
+          </a:p>
+          <a:p>
+            <a:pPr marL="0" indent="0">
+              <a:buNone/>
+            </a:pPr>
+            <a:endParaRPr lang="en-IN" dirty="0"/>
+          </a:p>
+        </p:txBody>
+      </p:sp>
+      <p:pic>
+        <p:nvPicPr>
+          <p:cNvPr id="1026" name="Picture 2">
+            <a:extLst>
+              <a:ext uri="{FF2B5EF4-FFF2-40B4-BE49-F238E27FC236}">
+                <a16:creationId xmlns:a16="http://schemas.microsoft.com/office/drawing/2014/main" id="{F9A117BF-9D71-DCA4-F68A-77E05879B7F8}"/>
+              </a:ext>
+            </a:extLst>
+          </p:cNvPr>
+          <p:cNvPicPr>
+            <a:picLocks noChangeAspect="1" noChangeArrowheads="1"/>
+          </p:cNvPicPr>
+          <p:nvPr/>
+        </p:nvPicPr>
+        <p:blipFill>
+          <a:blip r:embed="rId2">
+            <a:extLst>
+              <a:ext uri="{28A0092B-C50C-407E-A947-70E740481C1C}">
+                <a14:useLocalDpi xmlns:a14="http://schemas.microsoft.com/office/drawing/2010/main" val="0"/>
+              </a:ext>
+            </a:extLst>
+          </a:blip>
+          <a:srcRect/>
+          <a:stretch>
+            <a:fillRect/>
+          </a:stretch>
+        </p:blipFill>
+        <p:spPr bwMode="auto">
+          <a:xfrm>
+            <a:off x="9892896" y="-4509"/>
+            <a:ext cx="2131181" cy="1991930"/>
+          </a:xfrm>
+          <a:prstGeom prst="rect">
+            <a:avLst/>
+          </a:prstGeom>
+          <a:noFill/>
+          <a:extLst>
+            <a:ext uri="{909E8E84-426E-40DD-AFC4-6F175D3DCCD1}">
+              <a14:hiddenFill xmlns:a14="http://schemas.microsoft.com/office/drawing/2010/main">
+                <a:solidFill>
+                  <a:srgbClr val="FFFFFF"/>
+                </a:solidFill>
+              </a14:hiddenFill>
+            </a:ext>
+          </a:extLst>
+        </p:spPr>
+      </p:pic>
+      <p:pic>
+        <p:nvPicPr>
+          <p:cNvPr id="2050" name="Picture 2">
+            <a:extLst>
+              <a:ext uri="{FF2B5EF4-FFF2-40B4-BE49-F238E27FC236}">
+                <a16:creationId xmlns:a16="http://schemas.microsoft.com/office/drawing/2014/main" id="{21D21DAC-62E3-446F-BD0F-09A30CCAB989}"/>
+              </a:ext>
+            </a:extLst>
+          </p:cNvPr>
+          <p:cNvPicPr>
+            <a:picLocks noChangeAspect="1" noChangeArrowheads="1"/>
+          </p:cNvPicPr>
+          <p:nvPr/>
+        </p:nvPicPr>
+        <p:blipFill>
+          <a:blip r:embed="rId3">
+            <a:extLst>
+              <a:ext uri="{28A0092B-C50C-407E-A947-70E740481C1C}">
+                <a14:useLocalDpi xmlns:a14="http://schemas.microsoft.com/office/drawing/2010/main" val="0"/>
+              </a:ext>
+            </a:extLst>
+          </a:blip>
+          <a:srcRect/>
+          <a:stretch>
+            <a:fillRect/>
+          </a:stretch>
+        </p:blipFill>
+        <p:spPr bwMode="auto">
+          <a:xfrm>
+            <a:off x="42321" y="3397758"/>
+            <a:ext cx="5228544" cy="1440447"/>
+          </a:xfrm>
+          <a:prstGeom prst="rect">
+            <a:avLst/>
+          </a:prstGeom>
+          <a:noFill/>
+          <a:extLst>
+            <a:ext uri="{909E8E84-426E-40DD-AFC4-6F175D3DCCD1}">
+              <a14:hiddenFill xmlns:a14="http://schemas.microsoft.com/office/drawing/2010/main">
+                <a:solidFill>
+                  <a:srgbClr val="FFFFFF"/>
+                </a:solidFill>
+              </a14:hiddenFill>
+            </a:ext>
+          </a:extLst>
+        </p:spPr>
+      </p:pic>
+      <p:pic>
+        <p:nvPicPr>
+          <p:cNvPr id="2052" name="Picture 4">
+            <a:extLst>
+              <a:ext uri="{FF2B5EF4-FFF2-40B4-BE49-F238E27FC236}">
+                <a16:creationId xmlns:a16="http://schemas.microsoft.com/office/drawing/2014/main" id="{788700A9-9BC1-35F5-9371-C0C8657C646A}"/>
+              </a:ext>
+            </a:extLst>
+          </p:cNvPr>
+          <p:cNvPicPr>
+            <a:picLocks noChangeAspect="1" noChangeArrowheads="1"/>
+          </p:cNvPicPr>
+          <p:nvPr/>
+        </p:nvPicPr>
+        <p:blipFill>
+          <a:blip r:embed="rId4">
+            <a:extLst>
+              <a:ext uri="{28A0092B-C50C-407E-A947-70E740481C1C}">
+                <a14:useLocalDpi xmlns:a14="http://schemas.microsoft.com/office/drawing/2010/main" val="0"/>
+              </a:ext>
+            </a:extLst>
+          </a:blip>
+          <a:srcRect/>
+          <a:stretch>
+            <a:fillRect/>
+          </a:stretch>
+        </p:blipFill>
+        <p:spPr bwMode="auto">
+          <a:xfrm>
+            <a:off x="7497451" y="124695"/>
+            <a:ext cx="2295143" cy="1562650"/>
+          </a:xfrm>
+          <a:prstGeom prst="rect">
+            <a:avLst/>
+          </a:prstGeom>
+          <a:noFill/>
+          <a:extLst>
+            <a:ext uri="{909E8E84-426E-40DD-AFC4-6F175D3DCCD1}">
+              <a14:hiddenFill xmlns:a14="http://schemas.microsoft.com/office/drawing/2010/main">
+                <a:solidFill>
+                  <a:srgbClr val="FFFFFF"/>
+                </a:solidFill>
+              </a14:hiddenFill>
+            </a:ext>
+          </a:extLst>
+        </p:spPr>
+      </p:pic>
+      <p:pic>
+        <p:nvPicPr>
+          <p:cNvPr id="2054" name="Picture 6">
+            <a:extLst>
+              <a:ext uri="{FF2B5EF4-FFF2-40B4-BE49-F238E27FC236}">
+                <a16:creationId xmlns:a16="http://schemas.microsoft.com/office/drawing/2014/main" id="{ABCC08E8-A3FB-790E-BAD4-9D5E1391C2B4}"/>
+              </a:ext>
+            </a:extLst>
+          </p:cNvPr>
+          <p:cNvPicPr>
+            <a:picLocks noChangeAspect="1" noChangeArrowheads="1"/>
+          </p:cNvPicPr>
+          <p:nvPr/>
+        </p:nvPicPr>
+        <p:blipFill>
+          <a:blip r:embed="rId5">
+            <a:extLst>
+              <a:ext uri="{28A0092B-C50C-407E-A947-70E740481C1C}">
+                <a14:useLocalDpi xmlns:a14="http://schemas.microsoft.com/office/drawing/2010/main" val="0"/>
+              </a:ext>
+            </a:extLst>
+          </a:blip>
+          <a:srcRect/>
+          <a:stretch>
+            <a:fillRect/>
+          </a:stretch>
+        </p:blipFill>
+        <p:spPr bwMode="auto">
+          <a:xfrm>
+            <a:off x="102409" y="4838205"/>
+            <a:ext cx="4926791" cy="2019795"/>
+          </a:xfrm>
+          <a:prstGeom prst="rect">
+            <a:avLst/>
+          </a:prstGeom>
+          <a:noFill/>
+          <a:extLst>
+            <a:ext uri="{909E8E84-426E-40DD-AFC4-6F175D3DCCD1}">
+              <a14:hiddenFill xmlns:a14="http://schemas.microsoft.com/office/drawing/2010/main">
+                <a:solidFill>
+                  <a:srgbClr val="FFFFFF"/>
+                </a:solidFill>
+              </a14:hiddenFill>
+            </a:ext>
+          </a:extLst>
+        </p:spPr>
+      </p:pic>
+      <p:pic>
+        <p:nvPicPr>
+          <p:cNvPr id="2056" name="Picture 8">
+            <a:extLst>
+              <a:ext uri="{FF2B5EF4-FFF2-40B4-BE49-F238E27FC236}">
+                <a16:creationId xmlns:a16="http://schemas.microsoft.com/office/drawing/2014/main" id="{29A2A977-CC2F-B4D3-DD20-9B06742531A0}"/>
+              </a:ext>
+            </a:extLst>
+          </p:cNvPr>
+          <p:cNvPicPr>
+            <a:picLocks noChangeAspect="1" noChangeArrowheads="1"/>
+          </p:cNvPicPr>
+          <p:nvPr/>
+        </p:nvPicPr>
+        <p:blipFill>
+          <a:blip r:embed="rId6">
+            <a:extLst>
+              <a:ext uri="{28A0092B-C50C-407E-A947-70E740481C1C}">
+                <a14:useLocalDpi xmlns:a14="http://schemas.microsoft.com/office/drawing/2010/main" val="0"/>
+              </a:ext>
+            </a:extLst>
+          </a:blip>
+          <a:srcRect/>
+          <a:stretch>
+            <a:fillRect/>
+          </a:stretch>
+        </p:blipFill>
+        <p:spPr bwMode="auto">
+          <a:xfrm>
+            <a:off x="7783168" y="2271249"/>
+            <a:ext cx="4018852" cy="4407575"/>
+          </a:xfrm>
+          <a:prstGeom prst="rect">
+            <a:avLst/>
+          </a:prstGeom>
+          <a:noFill/>
+          <a:extLst>
+            <a:ext uri="{909E8E84-426E-40DD-AFC4-6F175D3DCCD1}">
+              <a14:hiddenFill xmlns:a14="http://schemas.microsoft.com/office/drawing/2010/main">
+                <a:solidFill>
+                  <a:srgbClr val="FFFFFF"/>
+                </a:solidFill>
+              </a14:hiddenFill>
+            </a:ext>
+          </a:extLst>
+        </p:spPr>
+      </p:pic>
+    </p:spTree>
+    <p:extLst>
+      <p:ext uri="{BB962C8B-B14F-4D97-AF65-F5344CB8AC3E}">
+        <p14:creationId xmlns:p14="http://schemas.microsoft.com/office/powerpoint/2010/main" val="682246142"/>
+      </p:ext>
+    </p:extLst>
+  </p:cSld>
+  <p:clrMapOvr>
+    <a:masterClrMapping/>
+  </p:clrMapOvr>
+</p:sld>
+</file>
+
+<file path=ppt/slides/slide6.xml><?xml version="1.0" encoding="utf-8"?>
+<p:sld xmlns:a="http://schemas.openxmlformats.org/drawingml/2006/main" xmlns:r="http://schemas.openxmlformats.org/officeDocument/2006/relationships" xmlns:p="http://schemas.openxmlformats.org/presentationml/2006/main">
+  <p:cSld>
+    <p:spTree>
+      <p:nvGrpSpPr>
+        <p:cNvPr id="1" name=""/>
+        <p:cNvGrpSpPr/>
+        <p:nvPr/>
+      </p:nvGrpSpPr>
+      <p:grpSpPr>
+        <a:xfrm>
+          <a:off x="0" y="0"/>
+          <a:ext cx="0" cy="0"/>
+          <a:chOff x="0" y="0"/>
+          <a:chExt cx="0" cy="0"/>
+        </a:xfrm>
+      </p:grpSpPr>
+      <mc:AlternateContent xmlns:mc="http://schemas.openxmlformats.org/markup-compatibility/2006">
+        <mc:Choice xmlns:a14="http://schemas.microsoft.com/office/drawing/2010/main" Requires="a14">
+          <p:sp>
+            <p:nvSpPr>
+              <p:cNvPr id="3" name="Content Placeholder 2">
+                <a:extLst>
+                  <a:ext uri="{FF2B5EF4-FFF2-40B4-BE49-F238E27FC236}">
+                    <a16:creationId xmlns:a16="http://schemas.microsoft.com/office/drawing/2014/main" id="{4AA1D2D6-087C-4B6E-9235-456A18C04949}"/>
+                  </a:ext>
+                </a:extLst>
+              </p:cNvPr>
+              <p:cNvSpPr>
+                <a:spLocks noGrp="1"/>
+              </p:cNvSpPr>
+              <p:nvPr>
+                <p:ph idx="1"/>
+              </p:nvPr>
+            </p:nvSpPr>
+            <p:spPr>
+              <a:xfrm>
+                <a:off x="1077687" y="2248664"/>
+                <a:ext cx="4216690" cy="4286531"/>
+              </a:xfrm>
+            </p:spPr>
+            <p:txBody>
+              <a:bodyPr/>
+              <a:lstStyle/>
+              <a:p>
+                <a:r>
+                  <a:rPr lang="en-US" dirty="0"/>
+                  <a:t>Meanwhile I’ve created the same system in OpenDSS where I am running </a:t>
+                </a:r>
+                <a:r>
+                  <a:rPr lang="en-US" dirty="0" err="1"/>
+                  <a:t>powerflows</a:t>
+                </a:r>
+                <a:r>
+                  <a:rPr lang="en-US" dirty="0"/>
+                  <a:t> for different values for </a:t>
+                </a:r>
+                <a14:m>
+                  <m:oMath xmlns:m="http://schemas.openxmlformats.org/officeDocument/2006/math">
+                    <m:r>
+                      <a:rPr lang="en-US" b="0" i="1" smtClean="0">
+                        <a:latin typeface="Cambria Math" panose="02040503050406030204" pitchFamily="18" charset="0"/>
+                      </a:rPr>
+                      <m:t>𝛿</m:t>
+                    </m:r>
+                  </m:oMath>
+                </a14:m>
+                <a:r>
+                  <a:rPr lang="en-US" dirty="0"/>
+                  <a:t> – it does look like our solution should have a feasible value associated with it.</a:t>
+                </a:r>
+              </a:p>
+            </p:txBody>
+          </p:sp>
+        </mc:Choice>
+        <mc:Fallback>
+          <p:sp>
+            <p:nvSpPr>
+              <p:cNvPr id="3" name="Content Placeholder 2">
+                <a:extLst>
+                  <a:ext uri="{FF2B5EF4-FFF2-40B4-BE49-F238E27FC236}">
+                    <a16:creationId xmlns:a16="http://schemas.microsoft.com/office/drawing/2014/main" id="{4AA1D2D6-087C-4B6E-9235-456A18C04949}"/>
+                  </a:ext>
+                </a:extLst>
+              </p:cNvPr>
+              <p:cNvSpPr>
+                <a:spLocks noGrp="1" noRot="1" noChangeAspect="1" noMove="1" noResize="1" noEditPoints="1" noAdjustHandles="1" noChangeArrowheads="1" noChangeShapeType="1" noTextEdit="1"/>
+              </p:cNvSpPr>
+              <p:nvPr>
+                <p:ph idx="1"/>
+              </p:nvPr>
+            </p:nvSpPr>
+            <p:spPr>
+              <a:xfrm>
+                <a:off x="1077687" y="2248664"/>
+                <a:ext cx="4216690" cy="4286531"/>
+              </a:xfrm>
+              <a:blipFill>
+                <a:blip r:embed="rId2"/>
+                <a:stretch>
+                  <a:fillRect l="-4035" t="-2979" r="-2305"/>
+                </a:stretch>
+              </a:blipFill>
+            </p:spPr>
+            <p:txBody>
+              <a:bodyPr/>
+              <a:lstStyle/>
+              <a:p>
+                <a:r>
+                  <a:rPr lang="en-US">
+                    <a:noFill/>
+                  </a:rPr>
+                  <a:t> </a:t>
+                </a:r>
+              </a:p>
+            </p:txBody>
+          </p:sp>
+        </mc:Fallback>
+      </mc:AlternateContent>
+      <p:pic>
+        <p:nvPicPr>
+          <p:cNvPr id="5" name="Picture 4">
+            <a:extLst>
+              <a:ext uri="{FF2B5EF4-FFF2-40B4-BE49-F238E27FC236}">
+                <a16:creationId xmlns:a16="http://schemas.microsoft.com/office/drawing/2014/main" id="{916A971A-0ACA-D981-3579-6FB64C1E5219}"/>
+              </a:ext>
+            </a:extLst>
+          </p:cNvPr>
+          <p:cNvPicPr>
+            <a:picLocks noChangeAspect="1"/>
+          </p:cNvPicPr>
+          <p:nvPr/>
+        </p:nvPicPr>
+        <p:blipFill>
+          <a:blip r:embed="rId3"/>
+          <a:stretch>
+            <a:fillRect/>
+          </a:stretch>
+        </p:blipFill>
+        <p:spPr>
+          <a:xfrm>
+            <a:off x="5590132" y="943590"/>
+            <a:ext cx="6136917" cy="5591605"/>
+          </a:xfrm>
+          <a:prstGeom prst="rect">
+            <a:avLst/>
+          </a:prstGeom>
+        </p:spPr>
+      </p:pic>
+    </p:spTree>
+    <p:extLst>
+      <p:ext uri="{BB962C8B-B14F-4D97-AF65-F5344CB8AC3E}">
+        <p14:creationId xmlns:p14="http://schemas.microsoft.com/office/powerpoint/2010/main" val="810812140"/>
+      </p:ext>
+    </p:extLst>
+  </p:cSld>
+  <p:clrMapOvr>
+    <a:masterClrMapping/>
+  </p:clrMapOvr>
+</p:sld>
+</file>
+
+<file path=ppt/slides/slide7.xml><?xml version="1.0" encoding="utf-8"?>
+<p:sld xmlns:a="http://schemas.openxmlformats.org/drawingml/2006/main" xmlns:r="http://schemas.openxmlformats.org/officeDocument/2006/relationships" xmlns:p="http://schemas.openxmlformats.org/presentationml/2006/main">
+  <p:cSld>
+    <p:spTree>
+      <p:nvGrpSpPr>
+        <p:cNvPr id="1" name=""/>
+        <p:cNvGrpSpPr/>
+        <p:nvPr/>
+      </p:nvGrpSpPr>
+      <p:grpSpPr>
+        <a:xfrm>
+          <a:off x="0" y="0"/>
+          <a:ext cx="0" cy="0"/>
+          <a:chOff x="0" y="0"/>
+          <a:chExt cx="0" cy="0"/>
+        </a:xfrm>
+      </p:grpSpPr>
+      <p:sp>
+        <p:nvSpPr>
+          <p:cNvPr id="2" name="Title 1">
+            <a:extLst>
+              <a:ext uri="{FF2B5EF4-FFF2-40B4-BE49-F238E27FC236}">
+                <a16:creationId xmlns:a16="http://schemas.microsoft.com/office/drawing/2014/main" id="{489D6AB3-040D-FF04-4730-E965E458A748}"/>
+              </a:ext>
+            </a:extLst>
+          </p:cNvPr>
+          <p:cNvSpPr>
+            <a:spLocks noGrp="1"/>
+          </p:cNvSpPr>
+          <p:nvPr>
+            <p:ph type="title"/>
+          </p:nvPr>
+        </p:nvSpPr>
+        <p:spPr/>
+        <p:txBody>
+          <a:bodyPr/>
+          <a:lstStyle/>
+          <a:p>
+            <a:r>
+              <a:rPr lang="en-US" dirty="0"/>
+              <a:t>Given some papers by Subho to read</a:t>
+            </a:r>
+          </a:p>
+        </p:txBody>
+      </p:sp>
+      <p:pic>
+        <p:nvPicPr>
+          <p:cNvPr id="9" name="Content Placeholder 8">
+            <a:extLst>
+              <a:ext uri="{FF2B5EF4-FFF2-40B4-BE49-F238E27FC236}">
+                <a16:creationId xmlns:a16="http://schemas.microsoft.com/office/drawing/2014/main" id="{A7386A4B-142D-9E60-6FDE-9E6EB97833C6}"/>
+              </a:ext>
+            </a:extLst>
+          </p:cNvPr>
+          <p:cNvPicPr>
+            <a:picLocks noGrp="1" noChangeAspect="1"/>
+          </p:cNvPicPr>
+          <p:nvPr>
+            <p:ph idx="1"/>
+          </p:nvPr>
+        </p:nvPicPr>
+        <p:blipFill>
+          <a:blip r:embed="rId2"/>
+          <a:stretch>
+            <a:fillRect/>
+          </a:stretch>
+        </p:blipFill>
+        <p:spPr>
+          <a:xfrm>
+            <a:off x="852009" y="5260825"/>
+            <a:ext cx="6623527" cy="1264446"/>
+          </a:xfrm>
+          <a:prstGeom prst="rect">
+            <a:avLst/>
+          </a:prstGeom>
+          <a:ln>
+            <a:solidFill>
+              <a:srgbClr val="92D050"/>
+            </a:solidFill>
+          </a:ln>
+        </p:spPr>
+      </p:pic>
+      <p:pic>
+        <p:nvPicPr>
+          <p:cNvPr id="5" name="Picture 4">
+            <a:extLst>
+              <a:ext uri="{FF2B5EF4-FFF2-40B4-BE49-F238E27FC236}">
+                <a16:creationId xmlns:a16="http://schemas.microsoft.com/office/drawing/2014/main" id="{DE97A322-9415-9983-516C-8F5187CDC5F3}"/>
+              </a:ext>
+            </a:extLst>
+          </p:cNvPr>
+          <p:cNvPicPr>
+            <a:picLocks noChangeAspect="1"/>
+          </p:cNvPicPr>
+          <p:nvPr/>
+        </p:nvPicPr>
+        <p:blipFill>
+          <a:blip r:embed="rId3"/>
+          <a:stretch>
+            <a:fillRect/>
+          </a:stretch>
+        </p:blipFill>
+        <p:spPr>
+          <a:xfrm>
+            <a:off x="852009" y="1928672"/>
+            <a:ext cx="6849431" cy="2010056"/>
+          </a:xfrm>
+          <a:prstGeom prst="rect">
+            <a:avLst/>
+          </a:prstGeom>
+        </p:spPr>
+      </p:pic>
+      <p:pic>
+        <p:nvPicPr>
+          <p:cNvPr id="7" name="Picture 6">
+            <a:extLst>
+              <a:ext uri="{FF2B5EF4-FFF2-40B4-BE49-F238E27FC236}">
+                <a16:creationId xmlns:a16="http://schemas.microsoft.com/office/drawing/2014/main" id="{165D8A9F-69A6-6F48-03E5-ABD3E9F75C6B}"/>
+              </a:ext>
+            </a:extLst>
+          </p:cNvPr>
+          <p:cNvPicPr>
+            <a:picLocks noChangeAspect="1"/>
+          </p:cNvPicPr>
+          <p:nvPr/>
+        </p:nvPicPr>
+        <p:blipFill>
+          <a:blip r:embed="rId4"/>
+          <a:stretch>
+            <a:fillRect/>
+          </a:stretch>
+        </p:blipFill>
+        <p:spPr>
+          <a:xfrm>
+            <a:off x="852009" y="4078971"/>
+            <a:ext cx="7153275" cy="1019261"/>
+          </a:xfrm>
+          <a:prstGeom prst="rect">
+            <a:avLst/>
+          </a:prstGeom>
+        </p:spPr>
+      </p:pic>
+    </p:spTree>
+    <p:extLst>
+      <p:ext uri="{BB962C8B-B14F-4D97-AF65-F5344CB8AC3E}">
+        <p14:creationId xmlns:p14="http://schemas.microsoft.com/office/powerpoint/2010/main" val="4127699989"/>
       </p:ext>
     </p:extLst>
   </p:cSld>
